--- a/YummyBite.pptx
+++ b/YummyBite.pptx
@@ -5,17 +5,22 @@
     <p:sldMasterId id="2147483648" r:id="rId1"/>
   </p:sldMasterIdLst>
   <p:notesMasterIdLst>
-    <p:notesMasterId r:id="rId10"/>
+    <p:notesMasterId r:id="rId15"/>
   </p:notesMasterIdLst>
   <p:sldIdLst>
     <p:sldId id="259" r:id="rId2"/>
     <p:sldId id="260" r:id="rId3"/>
     <p:sldId id="261" r:id="rId4"/>
-    <p:sldId id="262" r:id="rId5"/>
-    <p:sldId id="263" r:id="rId6"/>
+    <p:sldId id="263" r:id="rId5"/>
+    <p:sldId id="262" r:id="rId6"/>
     <p:sldId id="265" r:id="rId7"/>
-    <p:sldId id="268" r:id="rId8"/>
-    <p:sldId id="258" r:id="rId9"/>
+    <p:sldId id="270" r:id="rId8"/>
+    <p:sldId id="269" r:id="rId9"/>
+    <p:sldId id="271" r:id="rId10"/>
+    <p:sldId id="272" r:id="rId11"/>
+    <p:sldId id="273" r:id="rId12"/>
+    <p:sldId id="268" r:id="rId13"/>
+    <p:sldId id="258" r:id="rId14"/>
   </p:sldIdLst>
   <p:sldSz cx="9144000" cy="6858000" type="screen4x3"/>
   <p:notesSz cx="6858000" cy="9144000"/>
@@ -5845,7 +5850,7 @@
                 <a:latin typeface="Times New Roman" panose="02020603050405020304" pitchFamily="18" charset="0"/>
                 <a:cs typeface="Times New Roman" panose="02020603050405020304" pitchFamily="18" charset="0"/>
               </a:rPr>
-              <a:t>Yummybite</a:t>
+              <a:t>YummyBites</a:t>
             </a:r>
             <a:br>
               <a:rPr lang="en-US" sz="3200" b="1" dirty="0">
@@ -6007,7 +6012,7 @@
                 <a:latin typeface="Times New Roman" panose="02020603050405020304" pitchFamily="18" charset="0"/>
                 <a:cs typeface="Times New Roman" panose="02020603050405020304" pitchFamily="18" charset="0"/>
               </a:rPr>
-              <a:t>Baljit Kaur </a:t>
+              <a:t>Ms. Baljit Kaur </a:t>
             </a:r>
           </a:p>
           <a:p>
@@ -6016,7 +6021,7 @@
                 <a:latin typeface="Times New Roman" panose="02020603050405020304" pitchFamily="18" charset="0"/>
                 <a:cs typeface="Times New Roman" panose="02020603050405020304" pitchFamily="18" charset="0"/>
               </a:rPr>
-              <a:t>Vikas Patel </a:t>
+              <a:t>Mr. Vikas Patel </a:t>
             </a:r>
           </a:p>
         </p:txBody>
@@ -6131,6 +6136,901 @@
         <p14:creationId xmlns:p14="http://schemas.microsoft.com/office/powerpoint/2010/main" val="2561669114"/>
       </p:ext>
     </p:extLst>
+  </p:cSld>
+  <p:clrMapOvr>
+    <a:masterClrMapping/>
+  </p:clrMapOvr>
+  <mc:AlternateContent xmlns:mc="http://schemas.openxmlformats.org/markup-compatibility/2006" xmlns:p14="http://schemas.microsoft.com/office/powerpoint/2010/main">
+    <mc:Choice Requires="p14">
+      <p:transition spd="slow" p14:dur="1500">
+        <p14:prism/>
+      </p:transition>
+    </mc:Choice>
+    <mc:Fallback xmlns="">
+      <p:transition spd="slow">
+        <p:fade/>
+      </p:transition>
+    </mc:Fallback>
+  </mc:AlternateContent>
+</p:sld>
+</file>
+
+<file path=ppt/slides/slide10.xml><?xml version="1.0" encoding="utf-8"?>
+<p:sld xmlns:a="http://schemas.openxmlformats.org/drawingml/2006/main" xmlns:r="http://schemas.openxmlformats.org/officeDocument/2006/relationships" xmlns:p="http://schemas.openxmlformats.org/presentationml/2006/main">
+  <p:cSld>
+    <p:spTree>
+      <p:nvGrpSpPr>
+        <p:cNvPr id="1" name=""/>
+        <p:cNvGrpSpPr/>
+        <p:nvPr/>
+      </p:nvGrpSpPr>
+      <p:grpSpPr>
+        <a:xfrm>
+          <a:off x="0" y="0"/>
+          <a:ext cx="0" cy="0"/>
+          <a:chOff x="0" y="0"/>
+          <a:chExt cx="0" cy="0"/>
+        </a:xfrm>
+      </p:grpSpPr>
+      <p:sp>
+        <p:nvSpPr>
+          <p:cNvPr id="2" name="Title 1">
+            <a:extLst>
+              <a:ext uri="{FF2B5EF4-FFF2-40B4-BE49-F238E27FC236}">
+                <a16:creationId xmlns:a16="http://schemas.microsoft.com/office/drawing/2014/main" id="{2D8F647D-A953-D416-A4DC-1A80C772A1AF}"/>
+              </a:ext>
+            </a:extLst>
+          </p:cNvPr>
+          <p:cNvSpPr>
+            <a:spLocks noGrp="1"/>
+          </p:cNvSpPr>
+          <p:nvPr>
+            <p:ph type="ctrTitle"/>
+          </p:nvPr>
+        </p:nvSpPr>
+        <p:spPr>
+          <a:xfrm>
+            <a:off x="-633644" y="-8393"/>
+            <a:ext cx="5486400" cy="914400"/>
+          </a:xfrm>
+        </p:spPr>
+        <p:txBody>
+          <a:bodyPr/>
+          <a:lstStyle/>
+          <a:p>
+            <a:r>
+              <a:rPr lang="en-US" sz="4000" b="1" dirty="0"/>
+              <a:t>Project Highlights</a:t>
+            </a:r>
+          </a:p>
+        </p:txBody>
+      </p:sp>
+      <p:sp>
+        <p:nvSpPr>
+          <p:cNvPr id="3" name="Subtitle 2">
+            <a:extLst>
+              <a:ext uri="{FF2B5EF4-FFF2-40B4-BE49-F238E27FC236}">
+                <a16:creationId xmlns:a16="http://schemas.microsoft.com/office/drawing/2014/main" id="{AAA7CDE0-C22C-43AC-067A-6113959B6225}"/>
+              </a:ext>
+            </a:extLst>
+          </p:cNvPr>
+          <p:cNvSpPr>
+            <a:spLocks noGrp="1"/>
+          </p:cNvSpPr>
+          <p:nvPr>
+            <p:ph type="subTitle" idx="1"/>
+          </p:nvPr>
+        </p:nvSpPr>
+        <p:spPr>
+          <a:xfrm>
+            <a:off x="3597" y="1067454"/>
+            <a:ext cx="9085460" cy="4724400"/>
+          </a:xfrm>
+        </p:spPr>
+        <p:txBody>
+          <a:bodyPr/>
+          <a:lstStyle/>
+          <a:p>
+            <a:pPr algn="l"/>
+            <a:r>
+              <a:rPr lang="en-US" sz="2000" dirty="0">
+                <a:solidFill>
+                  <a:schemeClr val="tx1"/>
+                </a:solidFill>
+              </a:rPr>
+              <a:t>Admin Panel:</a:t>
+            </a:r>
+          </a:p>
+          <a:p>
+            <a:pPr algn="l"/>
+            <a:endParaRPr lang="en-US" sz="2000" dirty="0">
+              <a:solidFill>
+                <a:schemeClr val="tx1"/>
+              </a:solidFill>
+            </a:endParaRPr>
+          </a:p>
+          <a:p>
+            <a:pPr algn="just"/>
+            <a:endParaRPr lang="en-US" sz="2000" dirty="0">
+              <a:solidFill>
+                <a:schemeClr val="tx1"/>
+              </a:solidFill>
+            </a:endParaRPr>
+          </a:p>
+          <a:p>
+            <a:pPr algn="just"/>
+            <a:endParaRPr lang="en-US" sz="2000" dirty="0">
+              <a:solidFill>
+                <a:schemeClr val="tx1"/>
+              </a:solidFill>
+            </a:endParaRPr>
+          </a:p>
+          <a:p>
+            <a:pPr algn="just"/>
+            <a:endParaRPr lang="en-US" sz="2000" dirty="0">
+              <a:solidFill>
+                <a:schemeClr val="tx1"/>
+              </a:solidFill>
+            </a:endParaRPr>
+          </a:p>
+          <a:p>
+            <a:pPr algn="just"/>
+            <a:endParaRPr lang="en-US" sz="2000" dirty="0">
+              <a:solidFill>
+                <a:schemeClr val="tx1"/>
+              </a:solidFill>
+            </a:endParaRPr>
+          </a:p>
+          <a:p>
+            <a:pPr algn="just"/>
+            <a:endParaRPr lang="en-US" sz="2000" dirty="0">
+              <a:solidFill>
+                <a:schemeClr val="tx1"/>
+              </a:solidFill>
+            </a:endParaRPr>
+          </a:p>
+          <a:p>
+            <a:pPr algn="just"/>
+            <a:endParaRPr lang="en-US" sz="2000" dirty="0">
+              <a:solidFill>
+                <a:schemeClr val="tx1"/>
+              </a:solidFill>
+            </a:endParaRPr>
+          </a:p>
+          <a:p>
+            <a:pPr algn="just"/>
+            <a:endParaRPr lang="en-US" sz="2000" dirty="0">
+              <a:solidFill>
+                <a:schemeClr val="tx1"/>
+              </a:solidFill>
+            </a:endParaRPr>
+          </a:p>
+          <a:p>
+            <a:pPr algn="just"/>
+            <a:endParaRPr lang="en-US" sz="2000" dirty="0">
+              <a:solidFill>
+                <a:schemeClr val="tx1"/>
+              </a:solidFill>
+            </a:endParaRPr>
+          </a:p>
+          <a:p>
+            <a:pPr algn="just"/>
+            <a:endParaRPr lang="en-US" sz="2000" dirty="0">
+              <a:solidFill>
+                <a:schemeClr val="tx1"/>
+              </a:solidFill>
+            </a:endParaRPr>
+          </a:p>
+          <a:p>
+            <a:pPr algn="just"/>
+            <a:r>
+              <a:rPr lang="en-US" sz="2000" dirty="0">
+                <a:solidFill>
+                  <a:schemeClr val="tx1"/>
+                </a:solidFill>
+              </a:rPr>
+              <a:t>       This is the admin panel. From here you can add items to menu. View/remove present items and accept or decline orders.</a:t>
+            </a:r>
+          </a:p>
+        </p:txBody>
+      </p:sp>
+      <p:sp>
+        <p:nvSpPr>
+          <p:cNvPr id="4" name="Slide Number Placeholder 3">
+            <a:extLst>
+              <a:ext uri="{FF2B5EF4-FFF2-40B4-BE49-F238E27FC236}">
+                <a16:creationId xmlns:a16="http://schemas.microsoft.com/office/drawing/2014/main" id="{5388C196-34EB-BC2F-0A7C-086607AEA718}"/>
+              </a:ext>
+            </a:extLst>
+          </p:cNvPr>
+          <p:cNvSpPr>
+            <a:spLocks noGrp="1"/>
+          </p:cNvSpPr>
+          <p:nvPr>
+            <p:ph type="sldNum" idx="12"/>
+          </p:nvPr>
+        </p:nvSpPr>
+        <p:spPr/>
+        <p:txBody>
+          <a:bodyPr/>
+          <a:lstStyle/>
+          <a:p>
+            <a:pPr marL="0" lvl="0" indent="0" algn="r" rtl="0">
+              <a:spcBef>
+                <a:spcPts val="0"/>
+              </a:spcBef>
+              <a:spcAft>
+                <a:spcPts val="0"/>
+              </a:spcAft>
+              <a:buNone/>
+            </a:pPr>
+            <a:fld id="{00000000-1234-1234-1234-123412341234}" type="slidenum">
+              <a:rPr lang="en-US"/>
+              <a:t>10</a:t>
+            </a:fld>
+            <a:endParaRPr lang="en-US"/>
+          </a:p>
+        </p:txBody>
+      </p:sp>
+      <p:pic>
+        <p:nvPicPr>
+          <p:cNvPr id="7" name="Picture 6">
+            <a:extLst>
+              <a:ext uri="{FF2B5EF4-FFF2-40B4-BE49-F238E27FC236}">
+                <a16:creationId xmlns:a16="http://schemas.microsoft.com/office/drawing/2014/main" id="{0458D170-F28D-A0E9-FD80-B72590003B38}"/>
+              </a:ext>
+            </a:extLst>
+          </p:cNvPr>
+          <p:cNvPicPr>
+            <a:picLocks noChangeAspect="1"/>
+          </p:cNvPicPr>
+          <p:nvPr/>
+        </p:nvPicPr>
+        <p:blipFill>
+          <a:blip r:embed="rId2"/>
+          <a:stretch>
+            <a:fillRect/>
+          </a:stretch>
+        </p:blipFill>
+        <p:spPr>
+          <a:xfrm>
+            <a:off x="874450" y="1585335"/>
+            <a:ext cx="7395099" cy="3527191"/>
+          </a:xfrm>
+          <a:prstGeom prst="rect">
+            <a:avLst/>
+          </a:prstGeom>
+        </p:spPr>
+      </p:pic>
+    </p:spTree>
+    <p:extLst>
+      <p:ext uri="{BB962C8B-B14F-4D97-AF65-F5344CB8AC3E}">
+        <p14:creationId xmlns:p14="http://schemas.microsoft.com/office/powerpoint/2010/main" val="1137318383"/>
+      </p:ext>
+    </p:extLst>
+  </p:cSld>
+  <p:clrMapOvr>
+    <a:masterClrMapping/>
+  </p:clrMapOvr>
+  <mc:AlternateContent xmlns:mc="http://schemas.openxmlformats.org/markup-compatibility/2006" xmlns:p14="http://schemas.microsoft.com/office/powerpoint/2010/main">
+    <mc:Choice Requires="p14">
+      <p:transition spd="slow" p14:dur="1500">
+        <p14:prism/>
+      </p:transition>
+    </mc:Choice>
+    <mc:Fallback xmlns="">
+      <p:transition spd="slow">
+        <p:fade/>
+      </p:transition>
+    </mc:Fallback>
+  </mc:AlternateContent>
+</p:sld>
+</file>
+
+<file path=ppt/slides/slide11.xml><?xml version="1.0" encoding="utf-8"?>
+<p:sld xmlns:a="http://schemas.openxmlformats.org/drawingml/2006/main" xmlns:r="http://schemas.openxmlformats.org/officeDocument/2006/relationships" xmlns:p="http://schemas.openxmlformats.org/presentationml/2006/main">
+  <p:cSld>
+    <p:spTree>
+      <p:nvGrpSpPr>
+        <p:cNvPr id="1" name=""/>
+        <p:cNvGrpSpPr/>
+        <p:nvPr/>
+      </p:nvGrpSpPr>
+      <p:grpSpPr>
+        <a:xfrm>
+          <a:off x="0" y="0"/>
+          <a:ext cx="0" cy="0"/>
+          <a:chOff x="0" y="0"/>
+          <a:chExt cx="0" cy="0"/>
+        </a:xfrm>
+      </p:grpSpPr>
+      <p:sp>
+        <p:nvSpPr>
+          <p:cNvPr id="2" name="Title 1">
+            <a:extLst>
+              <a:ext uri="{FF2B5EF4-FFF2-40B4-BE49-F238E27FC236}">
+                <a16:creationId xmlns:a16="http://schemas.microsoft.com/office/drawing/2014/main" id="{BF780F68-A854-17EC-6B3A-B4BDFCA0A78F}"/>
+              </a:ext>
+            </a:extLst>
+          </p:cNvPr>
+          <p:cNvSpPr>
+            <a:spLocks noGrp="1"/>
+          </p:cNvSpPr>
+          <p:nvPr>
+            <p:ph type="ctrTitle"/>
+          </p:nvPr>
+        </p:nvSpPr>
+        <p:spPr>
+          <a:xfrm>
+            <a:off x="-1216584" y="1"/>
+            <a:ext cx="5486400" cy="914400"/>
+          </a:xfrm>
+        </p:spPr>
+        <p:txBody>
+          <a:bodyPr/>
+          <a:lstStyle/>
+          <a:p>
+            <a:r>
+              <a:rPr lang="en-US" sz="4000" b="1" dirty="0"/>
+              <a:t>Conclusion</a:t>
+            </a:r>
+          </a:p>
+        </p:txBody>
+      </p:sp>
+      <p:sp>
+        <p:nvSpPr>
+          <p:cNvPr id="3" name="Subtitle 2">
+            <a:extLst>
+              <a:ext uri="{FF2B5EF4-FFF2-40B4-BE49-F238E27FC236}">
+                <a16:creationId xmlns:a16="http://schemas.microsoft.com/office/drawing/2014/main" id="{C273B80B-6B41-BD43-6DD5-46D5CF79A9CD}"/>
+              </a:ext>
+            </a:extLst>
+          </p:cNvPr>
+          <p:cNvSpPr>
+            <a:spLocks noGrp="1"/>
+          </p:cNvSpPr>
+          <p:nvPr>
+            <p:ph type="subTitle" idx="1"/>
+          </p:nvPr>
+        </p:nvSpPr>
+        <p:spPr>
+          <a:xfrm>
+            <a:off x="72276" y="1371600"/>
+            <a:ext cx="8565468" cy="4724400"/>
+          </a:xfrm>
+        </p:spPr>
+        <p:txBody>
+          <a:bodyPr/>
+          <a:lstStyle/>
+          <a:p>
+            <a:pPr marL="25400" indent="0" algn="just"/>
+            <a:r>
+              <a:rPr lang="en-US" sz="2400" dirty="0">
+                <a:solidFill>
+                  <a:schemeClr val="tx1"/>
+                </a:solidFill>
+              </a:rPr>
+              <a:t>Overall we have managed to create a powerful web based system that enables a user to order food in a organized manner. It also features an admin panel that enables the admin/manager to add, view and manage other orders. Quick speed and efficient code makes sure that that the order is accepted and processed in least amount of time as possible. Since it is also linked with MongoDB it will make sure that everyone gets more personalized experience.</a:t>
+            </a:r>
+          </a:p>
+        </p:txBody>
+      </p:sp>
+      <p:sp>
+        <p:nvSpPr>
+          <p:cNvPr id="4" name="Slide Number Placeholder 3">
+            <a:extLst>
+              <a:ext uri="{FF2B5EF4-FFF2-40B4-BE49-F238E27FC236}">
+                <a16:creationId xmlns:a16="http://schemas.microsoft.com/office/drawing/2014/main" id="{0D2B6CAB-0366-9352-1ABE-B600B8E6C6D4}"/>
+              </a:ext>
+            </a:extLst>
+          </p:cNvPr>
+          <p:cNvSpPr>
+            <a:spLocks noGrp="1"/>
+          </p:cNvSpPr>
+          <p:nvPr>
+            <p:ph type="sldNum" idx="12"/>
+          </p:nvPr>
+        </p:nvSpPr>
+        <p:spPr/>
+        <p:txBody>
+          <a:bodyPr/>
+          <a:lstStyle/>
+          <a:p>
+            <a:pPr marL="0" lvl="0" indent="0" algn="r" rtl="0">
+              <a:spcBef>
+                <a:spcPts val="0"/>
+              </a:spcBef>
+              <a:spcAft>
+                <a:spcPts val="0"/>
+              </a:spcAft>
+              <a:buNone/>
+            </a:pPr>
+            <a:fld id="{00000000-1234-1234-1234-123412341234}" type="slidenum">
+              <a:rPr lang="en-US"/>
+              <a:t>11</a:t>
+            </a:fld>
+            <a:endParaRPr lang="en-US"/>
+          </a:p>
+        </p:txBody>
+      </p:sp>
+    </p:spTree>
+    <p:extLst>
+      <p:ext uri="{BB962C8B-B14F-4D97-AF65-F5344CB8AC3E}">
+        <p14:creationId xmlns:p14="http://schemas.microsoft.com/office/powerpoint/2010/main" val="229748379"/>
+      </p:ext>
+    </p:extLst>
+  </p:cSld>
+  <p:clrMapOvr>
+    <a:masterClrMapping/>
+  </p:clrMapOvr>
+  <mc:AlternateContent xmlns:mc="http://schemas.openxmlformats.org/markup-compatibility/2006" xmlns:p14="http://schemas.microsoft.com/office/powerpoint/2010/main">
+    <mc:Choice Requires="p14">
+      <p:transition spd="slow" p14:dur="1500">
+        <p14:prism/>
+      </p:transition>
+    </mc:Choice>
+    <mc:Fallback xmlns="">
+      <p:transition spd="slow">
+        <p:fade/>
+      </p:transition>
+    </mc:Fallback>
+  </mc:AlternateContent>
+</p:sld>
+</file>
+
+<file path=ppt/slides/slide12.xml><?xml version="1.0" encoding="utf-8"?>
+<p:sld xmlns:a="http://schemas.openxmlformats.org/drawingml/2006/main" xmlns:r="http://schemas.openxmlformats.org/officeDocument/2006/relationships" xmlns:p="http://schemas.openxmlformats.org/presentationml/2006/main">
+  <p:cSld>
+    <p:spTree>
+      <p:nvGrpSpPr>
+        <p:cNvPr id="1" name=""/>
+        <p:cNvGrpSpPr/>
+        <p:nvPr/>
+      </p:nvGrpSpPr>
+      <p:grpSpPr>
+        <a:xfrm>
+          <a:off x="0" y="0"/>
+          <a:ext cx="0" cy="0"/>
+          <a:chOff x="0" y="0"/>
+          <a:chExt cx="0" cy="0"/>
+        </a:xfrm>
+      </p:grpSpPr>
+      <p:sp>
+        <p:nvSpPr>
+          <p:cNvPr id="2" name="Title 1">
+            <a:extLst>
+              <a:ext uri="{FF2B5EF4-FFF2-40B4-BE49-F238E27FC236}">
+                <a16:creationId xmlns:a16="http://schemas.microsoft.com/office/drawing/2014/main" id="{BF780F68-A854-17EC-6B3A-B4BDFCA0A78F}"/>
+              </a:ext>
+            </a:extLst>
+          </p:cNvPr>
+          <p:cNvSpPr>
+            <a:spLocks noGrp="1"/>
+          </p:cNvSpPr>
+          <p:nvPr>
+            <p:ph type="ctrTitle"/>
+          </p:nvPr>
+        </p:nvSpPr>
+        <p:spPr>
+          <a:xfrm>
+            <a:off x="-1216584" y="1"/>
+            <a:ext cx="5486400" cy="914400"/>
+          </a:xfrm>
+        </p:spPr>
+        <p:txBody>
+          <a:bodyPr/>
+          <a:lstStyle/>
+          <a:p>
+            <a:r>
+              <a:rPr lang="en-US" sz="4000" b="1"/>
+              <a:t>References</a:t>
+            </a:r>
+          </a:p>
+        </p:txBody>
+      </p:sp>
+      <p:sp>
+        <p:nvSpPr>
+          <p:cNvPr id="3" name="Subtitle 2">
+            <a:extLst>
+              <a:ext uri="{FF2B5EF4-FFF2-40B4-BE49-F238E27FC236}">
+                <a16:creationId xmlns:a16="http://schemas.microsoft.com/office/drawing/2014/main" id="{C273B80B-6B41-BD43-6DD5-46D5CF79A9CD}"/>
+              </a:ext>
+            </a:extLst>
+          </p:cNvPr>
+          <p:cNvSpPr>
+            <a:spLocks noGrp="1"/>
+          </p:cNvSpPr>
+          <p:nvPr>
+            <p:ph type="subTitle" idx="1"/>
+          </p:nvPr>
+        </p:nvSpPr>
+        <p:spPr>
+          <a:xfrm>
+            <a:off x="72276" y="1371600"/>
+            <a:ext cx="8565468" cy="4724400"/>
+          </a:xfrm>
+        </p:spPr>
+        <p:txBody>
+          <a:bodyPr/>
+          <a:lstStyle/>
+          <a:p>
+            <a:pPr marL="596900" indent="-571500" algn="just">
+              <a:buFont typeface="Arial" panose="020B0604020202020204" pitchFamily="34" charset="0"/>
+              <a:buChar char="•"/>
+            </a:pPr>
+            <a:r>
+              <a:rPr lang="en-US" sz="2000" dirty="0">
+                <a:solidFill>
+                  <a:schemeClr val="tx1"/>
+                </a:solidFill>
+              </a:rPr>
+              <a:t>W3 Schools - https://www.w3schools.com/</a:t>
+            </a:r>
+          </a:p>
+          <a:p>
+            <a:pPr marL="596900" indent="-571500" algn="just">
+              <a:buFont typeface="Arial" panose="020B0604020202020204" pitchFamily="34" charset="0"/>
+              <a:buChar char="•"/>
+            </a:pPr>
+            <a:r>
+              <a:rPr lang="en-US" sz="2000" dirty="0">
+                <a:solidFill>
+                  <a:schemeClr val="tx1"/>
+                </a:solidFill>
+              </a:rPr>
+              <a:t>MDN Web Docs - https://developer.mozilla.org/en-US/</a:t>
+            </a:r>
+          </a:p>
+          <a:p>
+            <a:pPr marL="596900" indent="-571500" algn="just">
+              <a:buFont typeface="Arial" panose="020B0604020202020204" pitchFamily="34" charset="0"/>
+              <a:buChar char="•"/>
+            </a:pPr>
+            <a:r>
+              <a:rPr lang="en-US" sz="2000" dirty="0">
+                <a:solidFill>
+                  <a:schemeClr val="tx1"/>
+                </a:solidFill>
+              </a:rPr>
+              <a:t>Tutorials Point - https://www.tutorialspoint.com/index.htm</a:t>
+            </a:r>
+          </a:p>
+          <a:p>
+            <a:pPr marL="596900" indent="-571500" algn="just">
+              <a:buFont typeface="Arial" panose="020B0604020202020204" pitchFamily="34" charset="0"/>
+              <a:buChar char="•"/>
+            </a:pPr>
+            <a:r>
+              <a:rPr lang="en-US" sz="2000" dirty="0" err="1">
+                <a:solidFill>
+                  <a:schemeClr val="tx1"/>
+                </a:solidFill>
+              </a:rPr>
+              <a:t>Css</a:t>
+            </a:r>
+            <a:r>
+              <a:rPr lang="en-US" sz="2000" dirty="0">
+                <a:solidFill>
+                  <a:schemeClr val="tx1"/>
+                </a:solidFill>
+              </a:rPr>
+              <a:t>-tricks - https://css-tricks.com/</a:t>
+            </a:r>
+          </a:p>
+          <a:p>
+            <a:pPr marL="596900" indent="-571500" algn="just">
+              <a:buFont typeface="Arial" panose="020B0604020202020204" pitchFamily="34" charset="0"/>
+              <a:buChar char="•"/>
+            </a:pPr>
+            <a:r>
+              <a:rPr lang="en-US" sz="2000" dirty="0" err="1">
+                <a:solidFill>
+                  <a:schemeClr val="tx1"/>
+                </a:solidFill>
+              </a:rPr>
+              <a:t>Geeksforgeeks</a:t>
+            </a:r>
+            <a:r>
+              <a:rPr lang="en-US" sz="2000" dirty="0">
+                <a:solidFill>
+                  <a:schemeClr val="tx1"/>
+                </a:solidFill>
+              </a:rPr>
+              <a:t> - </a:t>
+            </a:r>
+            <a:r>
+              <a:rPr lang="en-US" sz="2000" dirty="0">
+                <a:solidFill>
+                  <a:schemeClr val="tx1"/>
+                </a:solidFill>
+                <a:hlinkClick r:id="rId2"/>
+              </a:rPr>
+              <a:t>https://www.geeksforgeeks.org/</a:t>
+            </a:r>
+            <a:endParaRPr lang="en-US" sz="2000" dirty="0">
+              <a:solidFill>
+                <a:schemeClr val="tx1"/>
+              </a:solidFill>
+            </a:endParaRPr>
+          </a:p>
+          <a:p>
+            <a:pPr marL="596900" indent="-571500" algn="just">
+              <a:buFont typeface="Arial" panose="020B0604020202020204" pitchFamily="34" charset="0"/>
+              <a:buChar char="•"/>
+            </a:pPr>
+            <a:r>
+              <a:rPr lang="en-US" sz="2000" dirty="0">
+                <a:solidFill>
+                  <a:schemeClr val="tx1"/>
+                </a:solidFill>
+              </a:rPr>
+              <a:t>React – </a:t>
+            </a:r>
+            <a:r>
+              <a:rPr lang="en-US" sz="2000" dirty="0">
+                <a:solidFill>
+                  <a:schemeClr val="tx1"/>
+                </a:solidFill>
+                <a:hlinkClick r:id="rId3"/>
+              </a:rPr>
+              <a:t>https://react.org/</a:t>
+            </a:r>
+            <a:endParaRPr lang="en-US" sz="2000" dirty="0">
+              <a:solidFill>
+                <a:schemeClr val="tx1"/>
+              </a:solidFill>
+            </a:endParaRPr>
+          </a:p>
+          <a:p>
+            <a:pPr marL="596900" indent="-571500" algn="just">
+              <a:buFont typeface="Arial" panose="020B0604020202020204" pitchFamily="34" charset="0"/>
+              <a:buChar char="•"/>
+            </a:pPr>
+            <a:r>
+              <a:rPr lang="en-US" sz="2000" dirty="0" err="1">
+                <a:solidFill>
+                  <a:schemeClr val="tx1"/>
+                </a:solidFill>
+              </a:rPr>
+              <a:t>DevDocs</a:t>
+            </a:r>
+            <a:r>
+              <a:rPr lang="en-US" sz="2000" dirty="0">
+                <a:solidFill>
+                  <a:schemeClr val="tx1"/>
+                </a:solidFill>
+              </a:rPr>
+              <a:t> – devdocs.io</a:t>
+            </a:r>
+          </a:p>
+        </p:txBody>
+      </p:sp>
+      <p:sp>
+        <p:nvSpPr>
+          <p:cNvPr id="4" name="Slide Number Placeholder 3">
+            <a:extLst>
+              <a:ext uri="{FF2B5EF4-FFF2-40B4-BE49-F238E27FC236}">
+                <a16:creationId xmlns:a16="http://schemas.microsoft.com/office/drawing/2014/main" id="{0D2B6CAB-0366-9352-1ABE-B600B8E6C6D4}"/>
+              </a:ext>
+            </a:extLst>
+          </p:cNvPr>
+          <p:cNvSpPr>
+            <a:spLocks noGrp="1"/>
+          </p:cNvSpPr>
+          <p:nvPr>
+            <p:ph type="sldNum" idx="12"/>
+          </p:nvPr>
+        </p:nvSpPr>
+        <p:spPr/>
+        <p:txBody>
+          <a:bodyPr/>
+          <a:lstStyle/>
+          <a:p>
+            <a:pPr marL="0" lvl="0" indent="0" algn="r" rtl="0">
+              <a:spcBef>
+                <a:spcPts val="0"/>
+              </a:spcBef>
+              <a:spcAft>
+                <a:spcPts val="0"/>
+              </a:spcAft>
+              <a:buNone/>
+            </a:pPr>
+            <a:fld id="{00000000-1234-1234-1234-123412341234}" type="slidenum">
+              <a:rPr lang="en-US"/>
+              <a:t>12</a:t>
+            </a:fld>
+            <a:endParaRPr lang="en-US"/>
+          </a:p>
+        </p:txBody>
+      </p:sp>
+    </p:spTree>
+    <p:extLst>
+      <p:ext uri="{BB962C8B-B14F-4D97-AF65-F5344CB8AC3E}">
+        <p14:creationId xmlns:p14="http://schemas.microsoft.com/office/powerpoint/2010/main" val="1327441289"/>
+      </p:ext>
+    </p:extLst>
+  </p:cSld>
+  <p:clrMapOvr>
+    <a:masterClrMapping/>
+  </p:clrMapOvr>
+  <mc:AlternateContent xmlns:mc="http://schemas.openxmlformats.org/markup-compatibility/2006" xmlns:p14="http://schemas.microsoft.com/office/powerpoint/2010/main">
+    <mc:Choice Requires="p14">
+      <p:transition spd="slow" p14:dur="1500">
+        <p14:prism/>
+      </p:transition>
+    </mc:Choice>
+    <mc:Fallback xmlns="">
+      <p:transition spd="slow">
+        <p:fade/>
+      </p:transition>
+    </mc:Fallback>
+  </mc:AlternateContent>
+</p:sld>
+</file>
+
+<file path=ppt/slides/slide13.xml><?xml version="1.0" encoding="utf-8"?>
+<p:sld xmlns:a="http://schemas.openxmlformats.org/drawingml/2006/main" xmlns:r="http://schemas.openxmlformats.org/officeDocument/2006/relationships" xmlns:p="http://schemas.openxmlformats.org/presentationml/2006/main">
+  <p:cSld>
+    <p:spTree>
+      <p:nvGrpSpPr>
+        <p:cNvPr id="1" name="Shape 61"/>
+        <p:cNvGrpSpPr/>
+        <p:nvPr/>
+      </p:nvGrpSpPr>
+      <p:grpSpPr>
+        <a:xfrm>
+          <a:off x="0" y="0"/>
+          <a:ext cx="0" cy="0"/>
+          <a:chOff x="0" y="0"/>
+          <a:chExt cx="0" cy="0"/>
+        </a:xfrm>
+      </p:grpSpPr>
+      <p:sp>
+        <p:nvSpPr>
+          <p:cNvPr id="62" name="Google Shape;62;p6"/>
+          <p:cNvSpPr txBox="1">
+            <a:spLocks noGrp="1"/>
+          </p:cNvSpPr>
+          <p:nvPr>
+            <p:ph type="title"/>
+          </p:nvPr>
+        </p:nvSpPr>
+        <p:spPr>
+          <a:xfrm>
+            <a:off x="0" y="0"/>
+            <a:ext cx="6477000" cy="838200"/>
+          </a:xfrm>
+          <a:prstGeom prst="rect">
+            <a:avLst/>
+          </a:prstGeom>
+          <a:noFill/>
+          <a:ln>
+            <a:noFill/>
+          </a:ln>
+        </p:spPr>
+        <p:txBody>
+          <a:bodyPr spcFirstLastPara="1" wrap="square" lIns="91425" tIns="45700" rIns="91425" bIns="45700" anchor="ctr" anchorCtr="0">
+            <a:noAutofit/>
+          </a:bodyPr>
+          <a:lstStyle/>
+          <a:p>
+            <a:pPr marL="0" lvl="0" indent="0" algn="ctr" rtl="0">
+              <a:spcBef>
+                <a:spcPts val="0"/>
+              </a:spcBef>
+              <a:spcAft>
+                <a:spcPts val="0"/>
+              </a:spcAft>
+              <a:buNone/>
+            </a:pPr>
+            <a:endParaRPr dirty="0"/>
+          </a:p>
+        </p:txBody>
+      </p:sp>
+      <p:sp>
+        <p:nvSpPr>
+          <p:cNvPr id="63" name="Google Shape;63;p6"/>
+          <p:cNvSpPr txBox="1">
+            <a:spLocks noGrp="1"/>
+          </p:cNvSpPr>
+          <p:nvPr>
+            <p:ph type="body" idx="1"/>
+          </p:nvPr>
+        </p:nvSpPr>
+        <p:spPr>
+          <a:xfrm>
+            <a:off x="152400" y="914400"/>
+            <a:ext cx="8915400" cy="5638800"/>
+          </a:xfrm>
+          <a:prstGeom prst="rect">
+            <a:avLst/>
+          </a:prstGeom>
+          <a:noFill/>
+          <a:ln>
+            <a:noFill/>
+          </a:ln>
+        </p:spPr>
+        <p:txBody>
+          <a:bodyPr spcFirstLastPara="1" wrap="square" lIns="91425" tIns="45700" rIns="91425" bIns="45700" anchor="ctr" anchorCtr="0">
+            <a:noAutofit/>
+          </a:bodyPr>
+          <a:lstStyle/>
+          <a:p>
+            <a:pPr marL="0" lvl="0" indent="0" algn="ctr" rtl="0">
+              <a:spcBef>
+                <a:spcPts val="0"/>
+              </a:spcBef>
+              <a:spcAft>
+                <a:spcPts val="0"/>
+              </a:spcAft>
+              <a:buClr>
+                <a:srgbClr val="205867"/>
+              </a:buClr>
+              <a:buSzPts val="11500"/>
+              <a:buNone/>
+            </a:pPr>
+            <a:r>
+              <a:rPr lang="en-US" sz="11500" dirty="0">
+                <a:solidFill>
+                  <a:srgbClr val="205867"/>
+                </a:solidFill>
+                <a:latin typeface="Times New Roman" panose="02020603050405020304"/>
+                <a:ea typeface="Times New Roman" panose="02020603050405020304"/>
+                <a:cs typeface="Times New Roman" panose="02020603050405020304"/>
+                <a:sym typeface="Times New Roman" panose="02020603050405020304"/>
+              </a:rPr>
+              <a:t>Thank You</a:t>
+            </a:r>
+          </a:p>
+        </p:txBody>
+      </p:sp>
+      <p:sp>
+        <p:nvSpPr>
+          <p:cNvPr id="64" name="Google Shape;64;p6"/>
+          <p:cNvSpPr txBox="1">
+            <a:spLocks noGrp="1"/>
+          </p:cNvSpPr>
+          <p:nvPr>
+            <p:ph type="sldNum" idx="12"/>
+          </p:nvPr>
+        </p:nvSpPr>
+        <p:spPr>
+          <a:xfrm>
+            <a:off x="6553200" y="6356350"/>
+            <a:ext cx="2133600" cy="365125"/>
+          </a:xfrm>
+          <a:prstGeom prst="rect">
+            <a:avLst/>
+          </a:prstGeom>
+          <a:noFill/>
+          <a:ln>
+            <a:noFill/>
+          </a:ln>
+        </p:spPr>
+        <p:txBody>
+          <a:bodyPr spcFirstLastPara="1" wrap="square" lIns="91425" tIns="45700" rIns="91425" bIns="45700" anchor="ctr" anchorCtr="0">
+            <a:noAutofit/>
+          </a:bodyPr>
+          <a:lstStyle/>
+          <a:p>
+            <a:pPr marL="0" lvl="0" indent="0" algn="r" rtl="0">
+              <a:spcBef>
+                <a:spcPts val="0"/>
+              </a:spcBef>
+              <a:spcAft>
+                <a:spcPts val="0"/>
+              </a:spcAft>
+              <a:buNone/>
+            </a:pPr>
+            <a:fld id="{00000000-1234-1234-1234-123412341234}" type="slidenum">
+              <a:rPr lang="en-US"/>
+              <a:t>13</a:t>
+            </a:fld>
+            <a:endParaRPr lang="en-US"/>
+          </a:p>
+        </p:txBody>
+      </p:sp>
+    </p:spTree>
   </p:cSld>
   <p:clrMapOvr>
     <a:masterClrMapping/>
@@ -6238,7 +7138,7 @@
               <a:buChar char="•"/>
             </a:pPr>
             <a:r>
-              <a:rPr lang="en-US" sz="2000" dirty="0">
+              <a:rPr lang="en-US" sz="2400" dirty="0">
                 <a:solidFill>
                   <a:schemeClr val="tx1"/>
                 </a:solidFill>
@@ -6257,7 +7157,7 @@
               <a:buChar char="•"/>
             </a:pPr>
             <a:r>
-              <a:rPr lang="en-US" sz="2000" dirty="0">
+              <a:rPr lang="en-US" sz="2400" dirty="0">
                 <a:solidFill>
                   <a:schemeClr val="tx1"/>
                 </a:solidFill>
@@ -6276,7 +7176,7 @@
               <a:buChar char="•"/>
             </a:pPr>
             <a:r>
-              <a:rPr lang="en-US" sz="2000" dirty="0">
+              <a:rPr lang="en-US" sz="2400" dirty="0">
                 <a:solidFill>
                   <a:schemeClr val="tx1"/>
                 </a:solidFill>
@@ -6295,7 +7195,7 @@
               <a:buChar char="•"/>
             </a:pPr>
             <a:r>
-              <a:rPr lang="en-US" sz="2000" dirty="0">
+              <a:rPr lang="en-US" sz="2400" dirty="0">
                 <a:solidFill>
                   <a:schemeClr val="tx1"/>
                 </a:solidFill>
@@ -6314,7 +7214,7 @@
               <a:buChar char="•"/>
             </a:pPr>
             <a:r>
-              <a:rPr lang="en-US" sz="2000" dirty="0">
+              <a:rPr lang="en-US" sz="2400" dirty="0">
                 <a:solidFill>
                   <a:schemeClr val="tx1"/>
                 </a:solidFill>
@@ -6333,7 +7233,26 @@
               <a:buChar char="•"/>
             </a:pPr>
             <a:r>
-              <a:rPr lang="en-US" sz="2000" dirty="0">
+              <a:rPr lang="en-US" sz="2400" dirty="0">
+                <a:solidFill>
+                  <a:schemeClr val="tx1"/>
+                </a:solidFill>
+                <a:latin typeface="Times New Roman"/>
+                <a:cs typeface="Times New Roman"/>
+              </a:rPr>
+              <a:t>Conclusion</a:t>
+            </a:r>
+          </a:p>
+          <a:p>
+            <a:pPr marL="342900" indent="-342900" algn="l">
+              <a:spcBef>
+                <a:spcPts val="0"/>
+              </a:spcBef>
+              <a:buFont typeface="Arial,Sans-Serif"/>
+              <a:buChar char="•"/>
+            </a:pPr>
+            <a:r>
+              <a:rPr lang="en-US" sz="2400" dirty="0">
                 <a:solidFill>
                   <a:schemeClr val="tx1"/>
                 </a:solidFill>
@@ -6342,7 +7261,7 @@
               </a:rPr>
               <a:t>References</a:t>
             </a:r>
-            <a:endParaRPr lang="en-US" sz="2000" dirty="0">
+            <a:endParaRPr lang="en-US" sz="2400" dirty="0">
               <a:solidFill>
                 <a:schemeClr val="tx1"/>
               </a:solidFill>
@@ -6350,7 +7269,7 @@
           </a:p>
           <a:p>
             <a:pPr algn="l"/>
-            <a:endParaRPr lang="en-US" dirty="0"/>
+            <a:endParaRPr lang="en-US" sz="2400" dirty="0"/>
           </a:p>
         </p:txBody>
       </p:sp>
@@ -6489,7 +7408,7 @@
         </p:nvSpPr>
         <p:spPr>
           <a:xfrm>
-            <a:off x="-329938" y="952108"/>
+            <a:off x="-214528" y="1928651"/>
             <a:ext cx="9257489" cy="4279720"/>
           </a:xfrm>
         </p:spPr>
@@ -6499,13 +7418,62 @@
           <a:p>
             <a:pPr algn="just"/>
             <a:r>
-              <a:rPr lang="en-US" sz="2000" dirty="0">
+              <a:rPr lang="en-US" sz="2400" dirty="0">
                 <a:solidFill>
                   <a:schemeClr val="tx1"/>
                 </a:solidFill>
               </a:rPr>
-              <a:t>       Yummy bites is a simple project made with react.js that enables people to order and various cuisines from across the world. This is a collaborative effort to showcase our development skills.</a:t>
+              <a:t>       </a:t>
             </a:r>
+            <a:r>
+              <a:rPr lang="en-US" sz="2400" dirty="0">
+                <a:solidFill>
+                  <a:schemeClr val="tx1"/>
+                </a:solidFill>
+                <a:effectLst/>
+                <a:latin typeface="Times New Roman" panose="02020603050405020304" pitchFamily="18" charset="0"/>
+                <a:ea typeface="Times New Roman" panose="02020603050405020304" pitchFamily="18" charset="0"/>
+              </a:rPr>
+              <a:t>In the hustle and bustle of modern life, managing our daily tasks efficiently has become paramount. Among these tasks, the management and delivery of food stand out as areas where innovation can significantly improve our daily lives. Enter </a:t>
+            </a:r>
+            <a:r>
+              <a:rPr lang="en-US" sz="2400" dirty="0" err="1">
+                <a:solidFill>
+                  <a:schemeClr val="tx1"/>
+                </a:solidFill>
+                <a:effectLst/>
+                <a:latin typeface="Times New Roman" panose="02020603050405020304" pitchFamily="18" charset="0"/>
+                <a:ea typeface="Times New Roman" panose="02020603050405020304" pitchFamily="18" charset="0"/>
+              </a:rPr>
+              <a:t>YummyBites</a:t>
+            </a:r>
+            <a:r>
+              <a:rPr lang="en-US" sz="2400" dirty="0">
+                <a:solidFill>
+                  <a:schemeClr val="tx1"/>
+                </a:solidFill>
+                <a:effectLst/>
+                <a:latin typeface="Times New Roman" panose="02020603050405020304" pitchFamily="18" charset="0"/>
+                <a:ea typeface="Times New Roman" panose="02020603050405020304" pitchFamily="18" charset="0"/>
+              </a:rPr>
+              <a:t>: a groundbreaking web-based platform designed to revolutionize how we interact with food.</a:t>
+            </a:r>
+            <a:endParaRPr lang="en-IN" sz="2400" dirty="0">
+              <a:solidFill>
+                <a:schemeClr val="tx1"/>
+              </a:solidFill>
+              <a:effectLst/>
+              <a:latin typeface="Times New Roman" panose="02020603050405020304" pitchFamily="18" charset="0"/>
+              <a:ea typeface="Times New Roman" panose="02020603050405020304" pitchFamily="18" charset="0"/>
+            </a:endParaRPr>
+          </a:p>
+          <a:p>
+            <a:pPr algn="just"/>
+            <a:endParaRPr lang="en-US" sz="2400" dirty="0">
+              <a:solidFill>
+                <a:schemeClr val="tx1"/>
+              </a:solidFill>
+            </a:endParaRPr>
           </a:p>
         </p:txBody>
       </p:sp>
@@ -6594,7 +7562,7 @@
           <p:cNvPr id="2" name="Title 1">
             <a:extLst>
               <a:ext uri="{FF2B5EF4-FFF2-40B4-BE49-F238E27FC236}">
-                <a16:creationId xmlns:a16="http://schemas.microsoft.com/office/drawing/2014/main" id="{B1BFC5DA-746F-661C-290A-E2AAA4203DB7}"/>
+                <a16:creationId xmlns:a16="http://schemas.microsoft.com/office/drawing/2014/main" id="{FB0DCE7F-078D-3AF0-8FB6-7B1030A47351}"/>
               </a:ext>
             </a:extLst>
           </p:cNvPr>
@@ -6605,19 +7573,15 @@
             <p:ph type="ctrTitle"/>
           </p:nvPr>
         </p:nvSpPr>
-        <p:spPr>
-          <a:xfrm>
-            <a:off x="-165924" y="40341"/>
-            <a:ext cx="5486400" cy="914400"/>
-          </a:xfrm>
-        </p:spPr>
+        <p:spPr/>
         <p:txBody>
           <a:bodyPr/>
           <a:lstStyle/>
           <a:p>
+            <a:pPr algn="l"/>
             <a:r>
-              <a:rPr lang="en-US" sz="4400" b="1" dirty="0"/>
-              <a:t>Tools and Languages</a:t>
+              <a:rPr lang="en-US" sz="4000" b="1" dirty="0"/>
+              <a:t>Benefits</a:t>
             </a:r>
           </a:p>
         </p:txBody>
@@ -6627,7 +7591,7 @@
           <p:cNvPr id="3" name="Subtitle 2">
             <a:extLst>
               <a:ext uri="{FF2B5EF4-FFF2-40B4-BE49-F238E27FC236}">
-                <a16:creationId xmlns:a16="http://schemas.microsoft.com/office/drawing/2014/main" id="{A364ADDA-3875-DB21-2CA0-000B6D27CA97}"/>
+                <a16:creationId xmlns:a16="http://schemas.microsoft.com/office/drawing/2014/main" id="{C5D0F4AA-F5E9-D225-64B4-7F5B99B0A174}"/>
               </a:ext>
             </a:extLst>
           </p:cNvPr>
@@ -6640,169 +7604,117 @@
         </p:nvSpPr>
         <p:spPr>
           <a:xfrm>
-            <a:off x="3598" y="724063"/>
-            <a:ext cx="8153400" cy="4724400"/>
+            <a:off x="42842" y="1351978"/>
+            <a:ext cx="9036404" cy="4724400"/>
           </a:xfrm>
         </p:spPr>
         <p:txBody>
           <a:bodyPr/>
           <a:lstStyle/>
           <a:p>
-            <a:pPr algn="l"/>
-            <a:endParaRPr lang="en-US" sz="3600" dirty="0">
-              <a:solidFill>
-                <a:schemeClr val="tx1"/>
-              </a:solidFill>
-            </a:endParaRPr>
-          </a:p>
-          <a:p>
-            <a:pPr algn="l"/>
-            <a:r>
-              <a:rPr lang="en-US" sz="2000" dirty="0">
-                <a:solidFill>
-                  <a:schemeClr val="tx1"/>
-                </a:solidFill>
-              </a:rPr>
-              <a:t>Here are all the tools and languages used to build Spoileriffic:</a:t>
-            </a:r>
-          </a:p>
-          <a:p>
-            <a:pPr marL="368300" indent="-342900" algn="l">
+            <a:pPr marL="596900" indent="-571500" algn="just">
               <a:buFont typeface="Arial" panose="020B0604020202020204" pitchFamily="34" charset="0"/>
               <a:buChar char="•"/>
             </a:pPr>
             <a:r>
-              <a:rPr lang="en-US" sz="2000" dirty="0" err="1">
+              <a:rPr lang="en-US" sz="2400" dirty="0">
                 <a:solidFill>
                   <a:schemeClr val="tx1"/>
                 </a:solidFill>
               </a:rPr>
-              <a:t>VsCode</a:t>
+              <a:t>Enables you to order various cuisines</a:t>
             </a:r>
-            <a:endParaRPr lang="en-US" sz="2000" dirty="0">
-              <a:solidFill>
-                <a:schemeClr val="tx1"/>
-              </a:solidFill>
-            </a:endParaRPr>
-          </a:p>
-          <a:p>
-            <a:pPr marL="368300" indent="-342900" algn="l">
+          </a:p>
+          <a:p>
+            <a:pPr marL="596900" indent="-571500" algn="just">
               <a:buFont typeface="Arial" panose="020B0604020202020204" pitchFamily="34" charset="0"/>
               <a:buChar char="•"/>
             </a:pPr>
             <a:r>
-              <a:rPr lang="en-US" sz="2000" dirty="0">
+              <a:rPr lang="en-US" sz="2400" dirty="0">
                 <a:solidFill>
                   <a:schemeClr val="tx1"/>
                 </a:solidFill>
               </a:rPr>
-              <a:t>Web Browser</a:t>
+              <a:t>Also calculates the total price of the food items</a:t>
             </a:r>
           </a:p>
           <a:p>
-            <a:pPr marL="368300" indent="-342900" algn="l">
+            <a:pPr marL="596900" indent="-571500" algn="just">
               <a:buFont typeface="Arial" panose="020B0604020202020204" pitchFamily="34" charset="0"/>
               <a:buChar char="•"/>
             </a:pPr>
             <a:r>
-              <a:rPr lang="en-US" sz="2000" dirty="0">
+              <a:rPr lang="en-US" sz="2400" dirty="0">
                 <a:solidFill>
                   <a:schemeClr val="tx1"/>
                 </a:solidFill>
               </a:rPr>
-              <a:t>React </a:t>
+              <a:t>Cart to track your orders</a:t>
             </a:r>
-            <a:r>
-              <a:rPr lang="en-US" sz="2000" dirty="0" err="1">
-                <a:solidFill>
-                  <a:schemeClr val="tx1"/>
-                </a:solidFill>
-              </a:rPr>
-              <a:t>js</a:t>
-            </a:r>
-            <a:endParaRPr lang="en-US" sz="2000" dirty="0">
-              <a:solidFill>
-                <a:schemeClr val="tx1"/>
-              </a:solidFill>
-            </a:endParaRPr>
-          </a:p>
-          <a:p>
-            <a:pPr marL="368300" indent="-342900" algn="l">
+          </a:p>
+          <a:p>
+            <a:pPr marL="596900" indent="-571500" algn="just">
               <a:buFont typeface="Arial" panose="020B0604020202020204" pitchFamily="34" charset="0"/>
               <a:buChar char="•"/>
             </a:pPr>
             <a:r>
-              <a:rPr lang="en-US" sz="2000" dirty="0">
+              <a:rPr lang="en-US" sz="2400" dirty="0">
                 <a:solidFill>
                   <a:schemeClr val="tx1"/>
                 </a:solidFill>
               </a:rPr>
-              <a:t>Node </a:t>
+              <a:t>Login/Signup Feature</a:t>
             </a:r>
-            <a:r>
-              <a:rPr lang="en-US" sz="2000" dirty="0" err="1">
-                <a:solidFill>
-                  <a:schemeClr val="tx1"/>
-                </a:solidFill>
-              </a:rPr>
-              <a:t>js</a:t>
-            </a:r>
-            <a:endParaRPr lang="en-US" sz="2000" dirty="0">
-              <a:solidFill>
-                <a:schemeClr val="tx1"/>
-              </a:solidFill>
-            </a:endParaRPr>
-          </a:p>
-          <a:p>
-            <a:pPr marL="368300" indent="-342900" algn="l">
+          </a:p>
+          <a:p>
+            <a:pPr marL="596900" indent="-571500" algn="just">
               <a:buFont typeface="Arial" panose="020B0604020202020204" pitchFamily="34" charset="0"/>
               <a:buChar char="•"/>
             </a:pPr>
             <a:r>
-              <a:rPr lang="en-US" sz="2000" dirty="0" err="1">
+              <a:rPr lang="en-US" sz="2400" dirty="0">
                 <a:solidFill>
                   <a:schemeClr val="tx1"/>
                 </a:solidFill>
               </a:rPr>
-              <a:t>Javascript</a:t>
+              <a:t>Well defined UI/UX</a:t>
             </a:r>
-            <a:r>
-              <a:rPr lang="en-US" sz="2000" dirty="0">
-                <a:solidFill>
-                  <a:schemeClr val="tx1"/>
-                </a:solidFill>
-              </a:rPr>
-              <a:t> </a:t>
-            </a:r>
-          </a:p>
-          <a:p>
-            <a:pPr marL="368300" indent="-342900" algn="l">
+          </a:p>
+          <a:p>
+            <a:pPr marL="596900" indent="-571500" algn="just">
               <a:buFont typeface="Arial" panose="020B0604020202020204" pitchFamily="34" charset="0"/>
               <a:buChar char="•"/>
             </a:pPr>
             <a:r>
-              <a:rPr lang="en-US" sz="2000" dirty="0" err="1">
+              <a:rPr lang="en-US" sz="2400" dirty="0">
                 <a:solidFill>
                   <a:schemeClr val="tx1"/>
                 </a:solidFill>
               </a:rPr>
-              <a:t>Css</a:t>
+              <a:t>Function to activate/avail discounts</a:t>
             </a:r>
-            <a:r>
-              <a:rPr lang="en-US" sz="2000" dirty="0">
-                <a:solidFill>
-                  <a:schemeClr val="tx1"/>
-                </a:solidFill>
-              </a:rPr>
-              <a:t>			</a:t>
-            </a:r>
-          </a:p>
-          <a:p>
-            <a:pPr marL="368300" indent="-342900" algn="l">
+          </a:p>
+          <a:p>
+            <a:pPr marL="596900" indent="-571500" algn="just">
               <a:buFont typeface="Arial" panose="020B0604020202020204" pitchFamily="34" charset="0"/>
               <a:buChar char="•"/>
             </a:pPr>
-            <a:endParaRPr lang="en-US" sz="2000" dirty="0">
+            <a:r>
+              <a:rPr lang="en-US" sz="2400" dirty="0">
+                <a:solidFill>
+                  <a:schemeClr val="tx1"/>
+                </a:solidFill>
+              </a:rPr>
+              <a:t>Delivery charges are also calculated and included.</a:t>
+            </a:r>
+          </a:p>
+          <a:p>
+            <a:pPr marL="596900" indent="-571500" algn="just">
+              <a:buFont typeface="Arial" panose="020B0604020202020204" pitchFamily="34" charset="0"/>
+              <a:buChar char="•"/>
+            </a:pPr>
+            <a:endParaRPr lang="en-US" sz="2400" dirty="0">
               <a:solidFill>
                 <a:schemeClr val="tx1"/>
               </a:solidFill>
@@ -6815,7 +7727,7 @@
           <p:cNvPr id="4" name="Slide Number Placeholder 3">
             <a:extLst>
               <a:ext uri="{FF2B5EF4-FFF2-40B4-BE49-F238E27FC236}">
-                <a16:creationId xmlns:a16="http://schemas.microsoft.com/office/drawing/2014/main" id="{EE58F8A4-EF31-CF5B-F054-116B9793A530}"/>
+                <a16:creationId xmlns:a16="http://schemas.microsoft.com/office/drawing/2014/main" id="{0E535E99-7B14-2F2D-218A-786281DE88CC}"/>
               </a:ext>
             </a:extLst>
           </p:cNvPr>
@@ -6851,7 +7763,7 @@
     </p:spTree>
     <p:extLst>
       <p:ext uri="{BB962C8B-B14F-4D97-AF65-F5344CB8AC3E}">
-        <p14:creationId xmlns:p14="http://schemas.microsoft.com/office/powerpoint/2010/main" val="1583049366"/>
+        <p14:creationId xmlns:p14="http://schemas.microsoft.com/office/powerpoint/2010/main" val="330574539"/>
       </p:ext>
     </p:extLst>
   </p:cSld>
@@ -6895,7 +7807,7 @@
           <p:cNvPr id="2" name="Title 1">
             <a:extLst>
               <a:ext uri="{FF2B5EF4-FFF2-40B4-BE49-F238E27FC236}">
-                <a16:creationId xmlns:a16="http://schemas.microsoft.com/office/drawing/2014/main" id="{FB0DCE7F-078D-3AF0-8FB6-7B1030A47351}"/>
+                <a16:creationId xmlns:a16="http://schemas.microsoft.com/office/drawing/2014/main" id="{B1BFC5DA-746F-661C-290A-E2AAA4203DB7}"/>
               </a:ext>
             </a:extLst>
           </p:cNvPr>
@@ -6906,15 +7818,19 @@
             <p:ph type="ctrTitle"/>
           </p:nvPr>
         </p:nvSpPr>
-        <p:spPr/>
+        <p:spPr>
+          <a:xfrm>
+            <a:off x="-165924" y="40341"/>
+            <a:ext cx="5486400" cy="914400"/>
+          </a:xfrm>
+        </p:spPr>
         <p:txBody>
           <a:bodyPr/>
           <a:lstStyle/>
           <a:p>
-            <a:pPr algn="l"/>
             <a:r>
-              <a:rPr lang="en-US" sz="4000" b="1" dirty="0"/>
-              <a:t>Benefits</a:t>
+              <a:rPr lang="en-US" sz="4400" b="1" dirty="0"/>
+              <a:t>Tools and Languages</a:t>
             </a:r>
           </a:p>
         </p:txBody>
@@ -6924,7 +7840,7 @@
           <p:cNvPr id="3" name="Subtitle 2">
             <a:extLst>
               <a:ext uri="{FF2B5EF4-FFF2-40B4-BE49-F238E27FC236}">
-                <a16:creationId xmlns:a16="http://schemas.microsoft.com/office/drawing/2014/main" id="{C5D0F4AA-F5E9-D225-64B4-7F5B99B0A174}"/>
+                <a16:creationId xmlns:a16="http://schemas.microsoft.com/office/drawing/2014/main" id="{A364ADDA-3875-DB21-2CA0-000B6D27CA97}"/>
               </a:ext>
             </a:extLst>
           </p:cNvPr>
@@ -6937,89 +7853,169 @@
         </p:nvSpPr>
         <p:spPr>
           <a:xfrm>
-            <a:off x="42842" y="1351978"/>
-            <a:ext cx="9036404" cy="4724400"/>
+            <a:off x="3598" y="724063"/>
+            <a:ext cx="8153400" cy="4724400"/>
           </a:xfrm>
         </p:spPr>
         <p:txBody>
           <a:bodyPr/>
           <a:lstStyle/>
           <a:p>
-            <a:pPr marL="596900" indent="-571500" algn="just">
+            <a:pPr algn="l"/>
+            <a:endParaRPr lang="en-US" sz="2400" dirty="0">
+              <a:solidFill>
+                <a:schemeClr val="tx1"/>
+              </a:solidFill>
+            </a:endParaRPr>
+          </a:p>
+          <a:p>
+            <a:pPr algn="l"/>
+            <a:r>
+              <a:rPr lang="en-US" sz="2400" dirty="0">
+                <a:solidFill>
+                  <a:schemeClr val="tx1"/>
+                </a:solidFill>
+              </a:rPr>
+              <a:t>Here are all the tools and languages used to build Spoileriffic:</a:t>
+            </a:r>
+          </a:p>
+          <a:p>
+            <a:pPr marL="368300" indent="-342900" algn="l">
               <a:buFont typeface="Arial" panose="020B0604020202020204" pitchFamily="34" charset="0"/>
               <a:buChar char="•"/>
             </a:pPr>
             <a:r>
-              <a:rPr lang="en-US" sz="2000" dirty="0">
+              <a:rPr lang="en-US" sz="2400" dirty="0" err="1">
                 <a:solidFill>
                   <a:schemeClr val="tx1"/>
                 </a:solidFill>
               </a:rPr>
-              <a:t>Enables you to order various cuisines</a:t>
+              <a:t>VsCode</a:t>
             </a:r>
-          </a:p>
-          <a:p>
-            <a:pPr marL="596900" indent="-571500" algn="just">
+            <a:endParaRPr lang="en-US" sz="2400" dirty="0">
+              <a:solidFill>
+                <a:schemeClr val="tx1"/>
+              </a:solidFill>
+            </a:endParaRPr>
+          </a:p>
+          <a:p>
+            <a:pPr marL="368300" indent="-342900" algn="l">
               <a:buFont typeface="Arial" panose="020B0604020202020204" pitchFamily="34" charset="0"/>
               <a:buChar char="•"/>
             </a:pPr>
             <a:r>
-              <a:rPr lang="en-US" sz="2000" dirty="0">
+              <a:rPr lang="en-US" sz="2400" dirty="0">
                 <a:solidFill>
                   <a:schemeClr val="tx1"/>
                 </a:solidFill>
               </a:rPr>
-              <a:t>Also calculates the total price of the food items</a:t>
+              <a:t>Web Browser</a:t>
             </a:r>
           </a:p>
           <a:p>
-            <a:pPr marL="596900" indent="-571500" algn="just">
+            <a:pPr marL="368300" indent="-342900" algn="l">
               <a:buFont typeface="Arial" panose="020B0604020202020204" pitchFamily="34" charset="0"/>
               <a:buChar char="•"/>
             </a:pPr>
             <a:r>
-              <a:rPr lang="en-US" sz="2000" dirty="0">
+              <a:rPr lang="en-US" sz="2400" dirty="0">
                 <a:solidFill>
                   <a:schemeClr val="tx1"/>
                 </a:solidFill>
               </a:rPr>
-              <a:t>Cart to track your orders</a:t>
+              <a:t>React </a:t>
             </a:r>
-          </a:p>
-          <a:p>
-            <a:pPr marL="596900" indent="-571500" algn="just">
+            <a:r>
+              <a:rPr lang="en-US" sz="2400" dirty="0" err="1">
+                <a:solidFill>
+                  <a:schemeClr val="tx1"/>
+                </a:solidFill>
+              </a:rPr>
+              <a:t>Js</a:t>
+            </a:r>
+            <a:endParaRPr lang="en-US" sz="2400" dirty="0">
+              <a:solidFill>
+                <a:schemeClr val="tx1"/>
+              </a:solidFill>
+            </a:endParaRPr>
+          </a:p>
+          <a:p>
+            <a:pPr marL="368300" indent="-342900" algn="l">
               <a:buFont typeface="Arial" panose="020B0604020202020204" pitchFamily="34" charset="0"/>
               <a:buChar char="•"/>
             </a:pPr>
             <a:r>
-              <a:rPr lang="en-US" sz="2000" dirty="0">
+              <a:rPr lang="en-US" sz="2400" dirty="0">
                 <a:solidFill>
                   <a:schemeClr val="tx1"/>
                 </a:solidFill>
               </a:rPr>
-              <a:t>Login/Signup Feature</a:t>
+              <a:t>Node </a:t>
             </a:r>
-          </a:p>
-          <a:p>
-            <a:pPr marL="596900" indent="-571500" algn="just">
+            <a:r>
+              <a:rPr lang="en-US" sz="2400" dirty="0" err="1">
+                <a:solidFill>
+                  <a:schemeClr val="tx1"/>
+                </a:solidFill>
+              </a:rPr>
+              <a:t>Js</a:t>
+            </a:r>
+            <a:endParaRPr lang="en-US" sz="2400" dirty="0">
+              <a:solidFill>
+                <a:schemeClr val="tx1"/>
+              </a:solidFill>
+            </a:endParaRPr>
+          </a:p>
+          <a:p>
+            <a:pPr marL="368300" indent="-342900" algn="l">
               <a:buFont typeface="Arial" panose="020B0604020202020204" pitchFamily="34" charset="0"/>
               <a:buChar char="•"/>
             </a:pPr>
             <a:r>
-              <a:rPr lang="en-US" sz="2000" dirty="0">
+              <a:rPr lang="en-US" sz="2400" dirty="0" err="1">
                 <a:solidFill>
                   <a:schemeClr val="tx1"/>
                 </a:solidFill>
               </a:rPr>
-              <a:t>Well defined UI/UX</a:t>
+              <a:t>Javascript</a:t>
             </a:r>
-          </a:p>
-          <a:p>
-            <a:pPr marL="596900" indent="-571500" algn="just">
+            <a:r>
+              <a:rPr lang="en-US" sz="2400" dirty="0">
+                <a:solidFill>
+                  <a:schemeClr val="tx1"/>
+                </a:solidFill>
+              </a:rPr>
+              <a:t> </a:t>
+            </a:r>
+          </a:p>
+          <a:p>
+            <a:pPr marL="368300" indent="-342900" algn="l">
               <a:buFont typeface="Arial" panose="020B0604020202020204" pitchFamily="34" charset="0"/>
               <a:buChar char="•"/>
             </a:pPr>
-            <a:endParaRPr lang="en-US" sz="2000" dirty="0">
+            <a:r>
+              <a:rPr lang="en-US" sz="2400" dirty="0" err="1">
+                <a:solidFill>
+                  <a:schemeClr val="tx1"/>
+                </a:solidFill>
+              </a:rPr>
+              <a:t>Css</a:t>
+            </a:r>
+            <a:r>
+              <a:rPr lang="en-US" sz="2400" dirty="0">
+                <a:solidFill>
+                  <a:schemeClr val="tx1"/>
+                </a:solidFill>
+              </a:rPr>
+              <a:t>			</a:t>
+            </a:r>
+          </a:p>
+          <a:p>
+            <a:pPr marL="368300" indent="-342900" algn="l">
+              <a:buFont typeface="Arial" panose="020B0604020202020204" pitchFamily="34" charset="0"/>
+              <a:buChar char="•"/>
+            </a:pPr>
+            <a:endParaRPr lang="en-US" sz="2400" dirty="0">
               <a:solidFill>
                 <a:schemeClr val="tx1"/>
               </a:solidFill>
@@ -7032,7 +8028,7 @@
           <p:cNvPr id="4" name="Slide Number Placeholder 3">
             <a:extLst>
               <a:ext uri="{FF2B5EF4-FFF2-40B4-BE49-F238E27FC236}">
-                <a16:creationId xmlns:a16="http://schemas.microsoft.com/office/drawing/2014/main" id="{0E535E99-7B14-2F2D-218A-786281DE88CC}"/>
+                <a16:creationId xmlns:a16="http://schemas.microsoft.com/office/drawing/2014/main" id="{EE58F8A4-EF31-CF5B-F054-116B9793A530}"/>
               </a:ext>
             </a:extLst>
           </p:cNvPr>
@@ -7068,7 +8064,7 @@
     </p:spTree>
     <p:extLst>
       <p:ext uri="{BB962C8B-B14F-4D97-AF65-F5344CB8AC3E}">
-        <p14:creationId xmlns:p14="http://schemas.microsoft.com/office/powerpoint/2010/main" val="330574539"/>
+        <p14:creationId xmlns:p14="http://schemas.microsoft.com/office/powerpoint/2010/main" val="1583049366"/>
       </p:ext>
     </p:extLst>
   </p:cSld>
@@ -7125,7 +8121,7 @@
         </p:nvSpPr>
         <p:spPr>
           <a:xfrm>
-            <a:off x="-981116" y="1"/>
+            <a:off x="-542204" y="0"/>
             <a:ext cx="5486400" cy="914400"/>
           </a:xfrm>
         </p:spPr>
@@ -7135,7 +8131,7 @@
           <a:p>
             <a:r>
               <a:rPr lang="en-US" sz="4000" b="1" dirty="0"/>
-              <a:t>Overview</a:t>
+              <a:t>Project Highlights</a:t>
             </a:r>
           </a:p>
         </p:txBody>
@@ -7384,7 +8380,7 @@
           <p:cNvPr id="2" name="Title 1">
             <a:extLst>
               <a:ext uri="{FF2B5EF4-FFF2-40B4-BE49-F238E27FC236}">
-                <a16:creationId xmlns:a16="http://schemas.microsoft.com/office/drawing/2014/main" id="{BF780F68-A854-17EC-6B3A-B4BDFCA0A78F}"/>
+                <a16:creationId xmlns:a16="http://schemas.microsoft.com/office/drawing/2014/main" id="{2D8F647D-A953-D416-A4DC-1A80C772A1AF}"/>
               </a:ext>
             </a:extLst>
           </p:cNvPr>
@@ -7397,7 +8393,7 @@
         </p:nvSpPr>
         <p:spPr>
           <a:xfrm>
-            <a:off x="-1216584" y="1"/>
+            <a:off x="-642788" y="0"/>
             <a:ext cx="5486400" cy="914400"/>
           </a:xfrm>
         </p:spPr>
@@ -7406,8 +8402,8 @@
           <a:lstStyle/>
           <a:p>
             <a:r>
-              <a:rPr lang="en-US" sz="4000" b="1"/>
-              <a:t>References</a:t>
+              <a:rPr lang="en-US" sz="4000" b="1" dirty="0"/>
+              <a:t>Project Highlights</a:t>
             </a:r>
           </a:p>
         </p:txBody>
@@ -7417,7 +8413,7 @@
           <p:cNvPr id="3" name="Subtitle 2">
             <a:extLst>
               <a:ext uri="{FF2B5EF4-FFF2-40B4-BE49-F238E27FC236}">
-                <a16:creationId xmlns:a16="http://schemas.microsoft.com/office/drawing/2014/main" id="{C273B80B-6B41-BD43-6DD5-46D5CF79A9CD}"/>
+                <a16:creationId xmlns:a16="http://schemas.microsoft.com/office/drawing/2014/main" id="{AAA7CDE0-C22C-43AC-067A-6113959B6225}"/>
               </a:ext>
             </a:extLst>
           </p:cNvPr>
@@ -7430,112 +8426,114 @@
         </p:nvSpPr>
         <p:spPr>
           <a:xfrm>
-            <a:off x="72276" y="1371600"/>
-            <a:ext cx="8565468" cy="4724400"/>
+            <a:off x="3597" y="1067454"/>
+            <a:ext cx="9085460" cy="4724400"/>
           </a:xfrm>
         </p:spPr>
         <p:txBody>
           <a:bodyPr/>
           <a:lstStyle/>
           <a:p>
-            <a:pPr marL="596900" indent="-571500" algn="l">
-              <a:buFont typeface="Arial" panose="020B0604020202020204" pitchFamily="34" charset="0"/>
-              <a:buChar char="•"/>
-            </a:pPr>
+            <a:pPr algn="l"/>
             <a:r>
               <a:rPr lang="en-US" sz="2000" dirty="0">
                 <a:solidFill>
                   <a:schemeClr val="tx1"/>
                 </a:solidFill>
               </a:rPr>
-              <a:t>W3 Schools - https://www.w3schools.com/</a:t>
+              <a:t>Home Page (Features):</a:t>
             </a:r>
           </a:p>
           <a:p>
-            <a:pPr marL="596900" indent="-571500" algn="l">
-              <a:buFont typeface="Arial" panose="020B0604020202020204" pitchFamily="34" charset="0"/>
-              <a:buChar char="•"/>
-            </a:pPr>
-            <a:r>
-              <a:rPr lang="en-US" sz="2000" dirty="0">
-                <a:solidFill>
-                  <a:schemeClr val="tx1"/>
-                </a:solidFill>
-              </a:rPr>
-              <a:t>MDN Web Docs - https://developer.mozilla.org/en-US/</a:t>
-            </a:r>
-          </a:p>
-          <a:p>
-            <a:pPr marL="596900" indent="-571500" algn="l">
-              <a:buFont typeface="Arial" panose="020B0604020202020204" pitchFamily="34" charset="0"/>
-              <a:buChar char="•"/>
-            </a:pPr>
-            <a:r>
-              <a:rPr lang="en-US" sz="2000" dirty="0">
-                <a:solidFill>
-                  <a:schemeClr val="tx1"/>
-                </a:solidFill>
-              </a:rPr>
-              <a:t>Tutorials Point - https://www.tutorialspoint.com/index.htm</a:t>
-            </a:r>
-          </a:p>
-          <a:p>
-            <a:pPr marL="596900" indent="-571500" algn="l">
-              <a:buFont typeface="Arial" panose="020B0604020202020204" pitchFamily="34" charset="0"/>
-              <a:buChar char="•"/>
-            </a:pPr>
-            <a:r>
-              <a:rPr lang="en-US" sz="2000" dirty="0" err="1">
-                <a:solidFill>
-                  <a:schemeClr val="tx1"/>
-                </a:solidFill>
-              </a:rPr>
-              <a:t>css</a:t>
-            </a:r>
-            <a:r>
-              <a:rPr lang="en-US" sz="2000" dirty="0">
-                <a:solidFill>
-                  <a:schemeClr val="tx1"/>
-                </a:solidFill>
-              </a:rPr>
-              <a:t>-tricks - https://css-tricks.com/</a:t>
-            </a:r>
-          </a:p>
-          <a:p>
-            <a:pPr marL="596900" indent="-571500" algn="l">
-              <a:buFont typeface="Arial" panose="020B0604020202020204" pitchFamily="34" charset="0"/>
-              <a:buChar char="•"/>
-            </a:pPr>
-            <a:r>
-              <a:rPr lang="en-US" sz="2000" dirty="0" err="1">
-                <a:solidFill>
-                  <a:schemeClr val="tx1"/>
-                </a:solidFill>
-              </a:rPr>
-              <a:t>Geeksforgeeks</a:t>
-            </a:r>
-            <a:r>
-              <a:rPr lang="en-US" sz="2000" dirty="0">
-                <a:solidFill>
-                  <a:schemeClr val="tx1"/>
-                </a:solidFill>
-              </a:rPr>
-              <a:t> - </a:t>
-            </a:r>
-            <a:r>
-              <a:rPr lang="en-US" sz="2000" dirty="0">
-                <a:solidFill>
-                  <a:schemeClr val="tx1"/>
-                </a:solidFill>
-                <a:hlinkClick r:id="rId2"/>
-              </a:rPr>
-              <a:t>https://www.geeksforgeeks.org/</a:t>
-            </a:r>
+            <a:pPr algn="l"/>
             <a:endParaRPr lang="en-US" sz="2000" dirty="0">
               <a:solidFill>
                 <a:schemeClr val="tx1"/>
               </a:solidFill>
             </a:endParaRPr>
+          </a:p>
+          <a:p>
+            <a:pPr algn="just"/>
+            <a:endParaRPr lang="en-US" sz="2000" dirty="0">
+              <a:solidFill>
+                <a:schemeClr val="tx1"/>
+              </a:solidFill>
+            </a:endParaRPr>
+          </a:p>
+          <a:p>
+            <a:pPr algn="just"/>
+            <a:endParaRPr lang="en-US" sz="2000" dirty="0">
+              <a:solidFill>
+                <a:schemeClr val="tx1"/>
+              </a:solidFill>
+            </a:endParaRPr>
+          </a:p>
+          <a:p>
+            <a:pPr algn="just"/>
+            <a:endParaRPr lang="en-US" sz="2000" dirty="0">
+              <a:solidFill>
+                <a:schemeClr val="tx1"/>
+              </a:solidFill>
+            </a:endParaRPr>
+          </a:p>
+          <a:p>
+            <a:pPr algn="just"/>
+            <a:endParaRPr lang="en-US" sz="2000" dirty="0">
+              <a:solidFill>
+                <a:schemeClr val="tx1"/>
+              </a:solidFill>
+            </a:endParaRPr>
+          </a:p>
+          <a:p>
+            <a:pPr algn="just"/>
+            <a:endParaRPr lang="en-US" sz="2000" dirty="0">
+              <a:solidFill>
+                <a:schemeClr val="tx1"/>
+              </a:solidFill>
+            </a:endParaRPr>
+          </a:p>
+          <a:p>
+            <a:pPr algn="just"/>
+            <a:endParaRPr lang="en-US" sz="2000" dirty="0">
+              <a:solidFill>
+                <a:schemeClr val="tx1"/>
+              </a:solidFill>
+            </a:endParaRPr>
+          </a:p>
+          <a:p>
+            <a:pPr algn="just"/>
+            <a:endParaRPr lang="en-US" sz="2000" dirty="0">
+              <a:solidFill>
+                <a:schemeClr val="tx1"/>
+              </a:solidFill>
+            </a:endParaRPr>
+          </a:p>
+          <a:p>
+            <a:pPr algn="just"/>
+            <a:endParaRPr lang="en-US" sz="2000" dirty="0">
+              <a:solidFill>
+                <a:schemeClr val="tx1"/>
+              </a:solidFill>
+            </a:endParaRPr>
+          </a:p>
+          <a:p>
+            <a:pPr algn="just"/>
+            <a:endParaRPr lang="en-US" sz="2000" dirty="0">
+              <a:solidFill>
+                <a:schemeClr val="tx1"/>
+              </a:solidFill>
+            </a:endParaRPr>
+          </a:p>
+          <a:p>
+            <a:pPr algn="just"/>
+            <a:r>
+              <a:rPr lang="en-US" sz="2000" dirty="0">
+                <a:solidFill>
+                  <a:schemeClr val="tx1"/>
+                </a:solidFill>
+              </a:rPr>
+              <a:t>       This part of the homepage features the menu from where you can place orders and also the part that gives us more details about the brand.</a:t>
+            </a:r>
           </a:p>
         </p:txBody>
       </p:sp>
@@ -7544,7 +8542,7 @@
           <p:cNvPr id="4" name="Slide Number Placeholder 3">
             <a:extLst>
               <a:ext uri="{FF2B5EF4-FFF2-40B4-BE49-F238E27FC236}">
-                <a16:creationId xmlns:a16="http://schemas.microsoft.com/office/drawing/2014/main" id="{0D2B6CAB-0366-9352-1ABE-B600B8E6C6D4}"/>
+                <a16:creationId xmlns:a16="http://schemas.microsoft.com/office/drawing/2014/main" id="{5388C196-34EB-BC2F-0A7C-086607AEA718}"/>
               </a:ext>
             </a:extLst>
           </p:cNvPr>
@@ -7577,10 +8575,40 @@
           </a:p>
         </p:txBody>
       </p:sp>
+      <p:pic>
+        <p:nvPicPr>
+          <p:cNvPr id="7" name="Picture 6">
+            <a:extLst>
+              <a:ext uri="{FF2B5EF4-FFF2-40B4-BE49-F238E27FC236}">
+                <a16:creationId xmlns:a16="http://schemas.microsoft.com/office/drawing/2014/main" id="{24BB8446-C1BC-4498-9225-DC15082BAAF5}"/>
+              </a:ext>
+            </a:extLst>
+          </p:cNvPr>
+          <p:cNvPicPr>
+            <a:picLocks noChangeAspect="1"/>
+          </p:cNvPicPr>
+          <p:nvPr/>
+        </p:nvPicPr>
+        <p:blipFill>
+          <a:blip r:embed="rId2"/>
+          <a:stretch>
+            <a:fillRect/>
+          </a:stretch>
+        </p:blipFill>
+        <p:spPr>
+          <a:xfrm>
+            <a:off x="928676" y="1802340"/>
+            <a:ext cx="7235301" cy="3430267"/>
+          </a:xfrm>
+          <a:prstGeom prst="rect">
+            <a:avLst/>
+          </a:prstGeom>
+        </p:spPr>
+      </p:pic>
     </p:spTree>
     <p:extLst>
       <p:ext uri="{BB962C8B-B14F-4D97-AF65-F5344CB8AC3E}">
-        <p14:creationId xmlns:p14="http://schemas.microsoft.com/office/powerpoint/2010/main" val="1327441289"/>
+        <p14:creationId xmlns:p14="http://schemas.microsoft.com/office/powerpoint/2010/main" val="754540918"/>
       </p:ext>
     </p:extLst>
   </p:cSld>
@@ -7607,7 +8635,7 @@
   <p:cSld>
     <p:spTree>
       <p:nvGrpSpPr>
-        <p:cNvPr id="1" name="Shape 61"/>
+        <p:cNvPr id="1" name=""/>
         <p:cNvGrpSpPr/>
         <p:nvPr/>
       </p:nvGrpSpPr>
@@ -7621,130 +8649,185 @@
       </p:grpSpPr>
       <p:sp>
         <p:nvSpPr>
-          <p:cNvPr id="62" name="Google Shape;62;p6"/>
-          <p:cNvSpPr txBox="1">
+          <p:cNvPr id="2" name="Title 1">
+            <a:extLst>
+              <a:ext uri="{FF2B5EF4-FFF2-40B4-BE49-F238E27FC236}">
+                <a16:creationId xmlns:a16="http://schemas.microsoft.com/office/drawing/2014/main" id="{2D8F647D-A953-D416-A4DC-1A80C772A1AF}"/>
+              </a:ext>
+            </a:extLst>
+          </p:cNvPr>
+          <p:cNvSpPr>
             <a:spLocks noGrp="1"/>
           </p:cNvSpPr>
           <p:nvPr>
-            <p:ph type="title"/>
+            <p:ph type="ctrTitle"/>
           </p:nvPr>
         </p:nvSpPr>
         <p:spPr>
           <a:xfrm>
-            <a:off x="0" y="0"/>
-            <a:ext cx="6477000" cy="838200"/>
+            <a:off x="-615356" y="-25808"/>
+            <a:ext cx="5486400" cy="914400"/>
           </a:xfrm>
-          <a:prstGeom prst="rect">
-            <a:avLst/>
-          </a:prstGeom>
-          <a:noFill/>
-          <a:ln>
-            <a:noFill/>
-          </a:ln>
         </p:spPr>
         <p:txBody>
-          <a:bodyPr spcFirstLastPara="1" wrap="square" lIns="91425" tIns="45700" rIns="91425" bIns="45700" anchor="ctr" anchorCtr="0">
-            <a:noAutofit/>
-          </a:bodyPr>
+          <a:bodyPr/>
           <a:lstStyle/>
           <a:p>
-            <a:pPr marL="0" lvl="0" indent="0" algn="ctr" rtl="0">
-              <a:spcBef>
-                <a:spcPts val="0"/>
-              </a:spcBef>
-              <a:spcAft>
-                <a:spcPts val="0"/>
-              </a:spcAft>
-              <a:buNone/>
-            </a:pPr>
-            <a:endParaRPr dirty="0"/>
+            <a:r>
+              <a:rPr lang="en-US" sz="4000" b="1" dirty="0"/>
+              <a:t>Project Highlights</a:t>
+            </a:r>
           </a:p>
         </p:txBody>
       </p:sp>
       <p:sp>
         <p:nvSpPr>
-          <p:cNvPr id="63" name="Google Shape;63;p6"/>
-          <p:cNvSpPr txBox="1">
+          <p:cNvPr id="3" name="Subtitle 2">
+            <a:extLst>
+              <a:ext uri="{FF2B5EF4-FFF2-40B4-BE49-F238E27FC236}">
+                <a16:creationId xmlns:a16="http://schemas.microsoft.com/office/drawing/2014/main" id="{AAA7CDE0-C22C-43AC-067A-6113959B6225}"/>
+              </a:ext>
+            </a:extLst>
+          </p:cNvPr>
+          <p:cNvSpPr>
             <a:spLocks noGrp="1"/>
           </p:cNvSpPr>
           <p:nvPr>
-            <p:ph type="body" idx="1"/>
+            <p:ph type="subTitle" idx="1"/>
           </p:nvPr>
         </p:nvSpPr>
         <p:spPr>
           <a:xfrm>
-            <a:off x="152400" y="914400"/>
-            <a:ext cx="8915400" cy="5638800"/>
+            <a:off x="3597" y="1067454"/>
+            <a:ext cx="9085460" cy="4724400"/>
           </a:xfrm>
-          <a:prstGeom prst="rect">
-            <a:avLst/>
-          </a:prstGeom>
-          <a:noFill/>
-          <a:ln>
-            <a:noFill/>
-          </a:ln>
         </p:spPr>
         <p:txBody>
-          <a:bodyPr spcFirstLastPara="1" wrap="square" lIns="91425" tIns="45700" rIns="91425" bIns="45700" anchor="ctr" anchorCtr="0">
-            <a:noAutofit/>
-          </a:bodyPr>
+          <a:bodyPr/>
           <a:lstStyle/>
           <a:p>
-            <a:pPr marL="0" lvl="0" indent="0" algn="ctr" rtl="0">
-              <a:spcBef>
-                <a:spcPts val="0"/>
-              </a:spcBef>
-              <a:spcAft>
-                <a:spcPts val="0"/>
-              </a:spcAft>
-              <a:buClr>
-                <a:srgbClr val="205867"/>
-              </a:buClr>
-              <a:buSzPts val="11500"/>
-              <a:buNone/>
-            </a:pPr>
+            <a:pPr algn="l"/>
             <a:r>
-              <a:rPr lang="en-US" sz="11500" dirty="0">
-                <a:solidFill>
-                  <a:srgbClr val="205867"/>
-                </a:solidFill>
-                <a:latin typeface="Times New Roman" panose="02020603050405020304"/>
-                <a:ea typeface="Times New Roman" panose="02020603050405020304"/>
-                <a:cs typeface="Times New Roman" panose="02020603050405020304"/>
-                <a:sym typeface="Times New Roman" panose="02020603050405020304"/>
+              <a:rPr lang="en-US" sz="2000" dirty="0">
+                <a:solidFill>
+                  <a:schemeClr val="tx1"/>
+                </a:solidFill>
               </a:rPr>
-              <a:t>Thank You</a:t>
+              <a:t>Checkout Page:</a:t>
+            </a:r>
+          </a:p>
+          <a:p>
+            <a:pPr algn="l"/>
+            <a:endParaRPr lang="en-US" sz="2000" dirty="0">
+              <a:solidFill>
+                <a:schemeClr val="tx1"/>
+              </a:solidFill>
+            </a:endParaRPr>
+          </a:p>
+          <a:p>
+            <a:pPr algn="just"/>
+            <a:endParaRPr lang="en-US" sz="2000" dirty="0">
+              <a:solidFill>
+                <a:schemeClr val="tx1"/>
+              </a:solidFill>
+            </a:endParaRPr>
+          </a:p>
+          <a:p>
+            <a:pPr algn="just"/>
+            <a:endParaRPr lang="en-US" sz="2000" dirty="0">
+              <a:solidFill>
+                <a:schemeClr val="tx1"/>
+              </a:solidFill>
+            </a:endParaRPr>
+          </a:p>
+          <a:p>
+            <a:pPr algn="just"/>
+            <a:endParaRPr lang="en-US" sz="2000" dirty="0">
+              <a:solidFill>
+                <a:schemeClr val="tx1"/>
+              </a:solidFill>
+            </a:endParaRPr>
+          </a:p>
+          <a:p>
+            <a:pPr algn="just"/>
+            <a:endParaRPr lang="en-US" sz="2000" dirty="0">
+              <a:solidFill>
+                <a:schemeClr val="tx1"/>
+              </a:solidFill>
+            </a:endParaRPr>
+          </a:p>
+          <a:p>
+            <a:pPr algn="just"/>
+            <a:endParaRPr lang="en-US" sz="2000" dirty="0">
+              <a:solidFill>
+                <a:schemeClr val="tx1"/>
+              </a:solidFill>
+            </a:endParaRPr>
+          </a:p>
+          <a:p>
+            <a:pPr algn="just"/>
+            <a:endParaRPr lang="en-US" sz="2000" dirty="0">
+              <a:solidFill>
+                <a:schemeClr val="tx1"/>
+              </a:solidFill>
+            </a:endParaRPr>
+          </a:p>
+          <a:p>
+            <a:pPr algn="just"/>
+            <a:endParaRPr lang="en-US" sz="2000" dirty="0">
+              <a:solidFill>
+                <a:schemeClr val="tx1"/>
+              </a:solidFill>
+            </a:endParaRPr>
+          </a:p>
+          <a:p>
+            <a:pPr algn="just"/>
+            <a:endParaRPr lang="en-US" sz="2000" dirty="0">
+              <a:solidFill>
+                <a:schemeClr val="tx1"/>
+              </a:solidFill>
+            </a:endParaRPr>
+          </a:p>
+          <a:p>
+            <a:pPr algn="just"/>
+            <a:endParaRPr lang="en-US" sz="2000" dirty="0">
+              <a:solidFill>
+                <a:schemeClr val="tx1"/>
+              </a:solidFill>
+            </a:endParaRPr>
+          </a:p>
+          <a:p>
+            <a:pPr algn="just"/>
+            <a:r>
+              <a:rPr lang="en-US" sz="2000" dirty="0">
+                <a:solidFill>
+                  <a:schemeClr val="tx1"/>
+                </a:solidFill>
+              </a:rPr>
+              <a:t>       This page contains all the information about the order including its price and delivery fee. You can also apply the promo code for added discounts.</a:t>
             </a:r>
           </a:p>
         </p:txBody>
       </p:sp>
       <p:sp>
         <p:nvSpPr>
-          <p:cNvPr id="64" name="Google Shape;64;p6"/>
-          <p:cNvSpPr txBox="1">
+          <p:cNvPr id="4" name="Slide Number Placeholder 3">
+            <a:extLst>
+              <a:ext uri="{FF2B5EF4-FFF2-40B4-BE49-F238E27FC236}">
+                <a16:creationId xmlns:a16="http://schemas.microsoft.com/office/drawing/2014/main" id="{5388C196-34EB-BC2F-0A7C-086607AEA718}"/>
+              </a:ext>
+            </a:extLst>
+          </p:cNvPr>
+          <p:cNvSpPr>
             <a:spLocks noGrp="1"/>
           </p:cNvSpPr>
           <p:nvPr>
             <p:ph type="sldNum" idx="12"/>
           </p:nvPr>
         </p:nvSpPr>
-        <p:spPr>
-          <a:xfrm>
-            <a:off x="6553200" y="6356350"/>
-            <a:ext cx="2133600" cy="365125"/>
-          </a:xfrm>
-          <a:prstGeom prst="rect">
-            <a:avLst/>
-          </a:prstGeom>
-          <a:noFill/>
-          <a:ln>
-            <a:noFill/>
-          </a:ln>
-        </p:spPr>
+        <p:spPr/>
         <p:txBody>
-          <a:bodyPr spcFirstLastPara="1" wrap="square" lIns="91425" tIns="45700" rIns="91425" bIns="45700" anchor="ctr" anchorCtr="0">
-            <a:noAutofit/>
-          </a:bodyPr>
+          <a:bodyPr/>
           <a:lstStyle/>
           <a:p>
             <a:pPr marL="0" lvl="0" indent="0" algn="r" rtl="0">
@@ -7764,7 +8847,314 @@
           </a:p>
         </p:txBody>
       </p:sp>
+      <p:pic>
+        <p:nvPicPr>
+          <p:cNvPr id="7" name="Picture 6">
+            <a:extLst>
+              <a:ext uri="{FF2B5EF4-FFF2-40B4-BE49-F238E27FC236}">
+                <a16:creationId xmlns:a16="http://schemas.microsoft.com/office/drawing/2014/main" id="{7859AF9C-3E3C-D413-47B5-93AC24AD9319}"/>
+              </a:ext>
+            </a:extLst>
+          </p:cNvPr>
+          <p:cNvPicPr>
+            <a:picLocks noChangeAspect="1"/>
+          </p:cNvPicPr>
+          <p:nvPr/>
+        </p:nvPicPr>
+        <p:blipFill>
+          <a:blip r:embed="rId2"/>
+          <a:stretch>
+            <a:fillRect/>
+          </a:stretch>
+        </p:blipFill>
+        <p:spPr>
+          <a:xfrm>
+            <a:off x="710214" y="1578753"/>
+            <a:ext cx="7412854" cy="3522940"/>
+          </a:xfrm>
+          <a:prstGeom prst="rect">
+            <a:avLst/>
+          </a:prstGeom>
+        </p:spPr>
+      </p:pic>
     </p:spTree>
+    <p:extLst>
+      <p:ext uri="{BB962C8B-B14F-4D97-AF65-F5344CB8AC3E}">
+        <p14:creationId xmlns:p14="http://schemas.microsoft.com/office/powerpoint/2010/main" val="2712596146"/>
+      </p:ext>
+    </p:extLst>
+  </p:cSld>
+  <p:clrMapOvr>
+    <a:masterClrMapping/>
+  </p:clrMapOvr>
+  <mc:AlternateContent xmlns:mc="http://schemas.openxmlformats.org/markup-compatibility/2006" xmlns:p14="http://schemas.microsoft.com/office/powerpoint/2010/main">
+    <mc:Choice Requires="p14">
+      <p:transition spd="slow" p14:dur="1500">
+        <p14:prism/>
+      </p:transition>
+    </mc:Choice>
+    <mc:Fallback xmlns="">
+      <p:transition spd="slow">
+        <p:fade/>
+      </p:transition>
+    </mc:Fallback>
+  </mc:AlternateContent>
+</p:sld>
+</file>
+
+<file path=ppt/slides/slide9.xml><?xml version="1.0" encoding="utf-8"?>
+<p:sld xmlns:a="http://schemas.openxmlformats.org/drawingml/2006/main" xmlns:r="http://schemas.openxmlformats.org/officeDocument/2006/relationships" xmlns:p="http://schemas.openxmlformats.org/presentationml/2006/main">
+  <p:cSld>
+    <p:spTree>
+      <p:nvGrpSpPr>
+        <p:cNvPr id="1" name=""/>
+        <p:cNvGrpSpPr/>
+        <p:nvPr/>
+      </p:nvGrpSpPr>
+      <p:grpSpPr>
+        <a:xfrm>
+          <a:off x="0" y="0"/>
+          <a:ext cx="0" cy="0"/>
+          <a:chOff x="0" y="0"/>
+          <a:chExt cx="0" cy="0"/>
+        </a:xfrm>
+      </p:grpSpPr>
+      <p:sp>
+        <p:nvSpPr>
+          <p:cNvPr id="2" name="Title 1">
+            <a:extLst>
+              <a:ext uri="{FF2B5EF4-FFF2-40B4-BE49-F238E27FC236}">
+                <a16:creationId xmlns:a16="http://schemas.microsoft.com/office/drawing/2014/main" id="{2D8F647D-A953-D416-A4DC-1A80C772A1AF}"/>
+              </a:ext>
+            </a:extLst>
+          </p:cNvPr>
+          <p:cNvSpPr>
+            <a:spLocks noGrp="1"/>
+          </p:cNvSpPr>
+          <p:nvPr>
+            <p:ph type="ctrTitle"/>
+          </p:nvPr>
+        </p:nvSpPr>
+        <p:spPr>
+          <a:xfrm>
+            <a:off x="-505628" y="0"/>
+            <a:ext cx="5486400" cy="914400"/>
+          </a:xfrm>
+        </p:spPr>
+        <p:txBody>
+          <a:bodyPr/>
+          <a:lstStyle/>
+          <a:p>
+            <a:r>
+              <a:rPr lang="en-US" sz="4000" b="1" dirty="0"/>
+              <a:t>Project Highlights</a:t>
+            </a:r>
+          </a:p>
+        </p:txBody>
+      </p:sp>
+      <p:sp>
+        <p:nvSpPr>
+          <p:cNvPr id="3" name="Subtitle 2">
+            <a:extLst>
+              <a:ext uri="{FF2B5EF4-FFF2-40B4-BE49-F238E27FC236}">
+                <a16:creationId xmlns:a16="http://schemas.microsoft.com/office/drawing/2014/main" id="{AAA7CDE0-C22C-43AC-067A-6113959B6225}"/>
+              </a:ext>
+            </a:extLst>
+          </p:cNvPr>
+          <p:cNvSpPr>
+            <a:spLocks noGrp="1"/>
+          </p:cNvSpPr>
+          <p:nvPr>
+            <p:ph type="subTitle" idx="1"/>
+          </p:nvPr>
+        </p:nvSpPr>
+        <p:spPr>
+          <a:xfrm>
+            <a:off x="3597" y="1067454"/>
+            <a:ext cx="9085460" cy="4724400"/>
+          </a:xfrm>
+        </p:spPr>
+        <p:txBody>
+          <a:bodyPr/>
+          <a:lstStyle/>
+          <a:p>
+            <a:pPr algn="l"/>
+            <a:r>
+              <a:rPr lang="en-US" sz="2000" dirty="0">
+                <a:solidFill>
+                  <a:schemeClr val="tx1"/>
+                </a:solidFill>
+              </a:rPr>
+              <a:t>Payment Page:</a:t>
+            </a:r>
+          </a:p>
+          <a:p>
+            <a:pPr algn="l"/>
+            <a:endParaRPr lang="en-US" sz="2000" dirty="0">
+              <a:solidFill>
+                <a:schemeClr val="tx1"/>
+              </a:solidFill>
+            </a:endParaRPr>
+          </a:p>
+          <a:p>
+            <a:pPr algn="just"/>
+            <a:endParaRPr lang="en-US" sz="2000" dirty="0">
+              <a:solidFill>
+                <a:schemeClr val="tx1"/>
+              </a:solidFill>
+            </a:endParaRPr>
+          </a:p>
+          <a:p>
+            <a:pPr algn="just"/>
+            <a:endParaRPr lang="en-US" sz="2000" dirty="0">
+              <a:solidFill>
+                <a:schemeClr val="tx1"/>
+              </a:solidFill>
+            </a:endParaRPr>
+          </a:p>
+          <a:p>
+            <a:pPr algn="just"/>
+            <a:endParaRPr lang="en-US" sz="2000" dirty="0">
+              <a:solidFill>
+                <a:schemeClr val="tx1"/>
+              </a:solidFill>
+            </a:endParaRPr>
+          </a:p>
+          <a:p>
+            <a:pPr algn="just"/>
+            <a:endParaRPr lang="en-US" sz="2000" dirty="0">
+              <a:solidFill>
+                <a:schemeClr val="tx1"/>
+              </a:solidFill>
+            </a:endParaRPr>
+          </a:p>
+          <a:p>
+            <a:pPr algn="just"/>
+            <a:endParaRPr lang="en-US" sz="2000" dirty="0">
+              <a:solidFill>
+                <a:schemeClr val="tx1"/>
+              </a:solidFill>
+            </a:endParaRPr>
+          </a:p>
+          <a:p>
+            <a:pPr algn="just"/>
+            <a:endParaRPr lang="en-US" sz="2000" dirty="0">
+              <a:solidFill>
+                <a:schemeClr val="tx1"/>
+              </a:solidFill>
+            </a:endParaRPr>
+          </a:p>
+          <a:p>
+            <a:pPr algn="just"/>
+            <a:endParaRPr lang="en-US" sz="2000" dirty="0">
+              <a:solidFill>
+                <a:schemeClr val="tx1"/>
+              </a:solidFill>
+            </a:endParaRPr>
+          </a:p>
+          <a:p>
+            <a:pPr algn="just"/>
+            <a:endParaRPr lang="en-US" sz="2000" dirty="0">
+              <a:solidFill>
+                <a:schemeClr val="tx1"/>
+              </a:solidFill>
+            </a:endParaRPr>
+          </a:p>
+          <a:p>
+            <a:pPr algn="just"/>
+            <a:endParaRPr lang="en-US" sz="2000" dirty="0">
+              <a:solidFill>
+                <a:schemeClr val="tx1"/>
+              </a:solidFill>
+            </a:endParaRPr>
+          </a:p>
+          <a:p>
+            <a:pPr algn="just"/>
+            <a:r>
+              <a:rPr lang="en-US" sz="2000" dirty="0">
+                <a:solidFill>
+                  <a:schemeClr val="tx1"/>
+                </a:solidFill>
+              </a:rPr>
+              <a:t>       This page where you can finalize the order, add delivery information and then proceed to payment.</a:t>
+            </a:r>
+          </a:p>
+        </p:txBody>
+      </p:sp>
+      <p:sp>
+        <p:nvSpPr>
+          <p:cNvPr id="4" name="Slide Number Placeholder 3">
+            <a:extLst>
+              <a:ext uri="{FF2B5EF4-FFF2-40B4-BE49-F238E27FC236}">
+                <a16:creationId xmlns:a16="http://schemas.microsoft.com/office/drawing/2014/main" id="{5388C196-34EB-BC2F-0A7C-086607AEA718}"/>
+              </a:ext>
+            </a:extLst>
+          </p:cNvPr>
+          <p:cNvSpPr>
+            <a:spLocks noGrp="1"/>
+          </p:cNvSpPr>
+          <p:nvPr>
+            <p:ph type="sldNum" idx="12"/>
+          </p:nvPr>
+        </p:nvSpPr>
+        <p:spPr/>
+        <p:txBody>
+          <a:bodyPr/>
+          <a:lstStyle/>
+          <a:p>
+            <a:pPr marL="0" lvl="0" indent="0" algn="r" rtl="0">
+              <a:spcBef>
+                <a:spcPts val="0"/>
+              </a:spcBef>
+              <a:spcAft>
+                <a:spcPts val="0"/>
+              </a:spcAft>
+              <a:buNone/>
+            </a:pPr>
+            <a:fld id="{00000000-1234-1234-1234-123412341234}" type="slidenum">
+              <a:rPr lang="en-US"/>
+              <a:t>9</a:t>
+            </a:fld>
+            <a:endParaRPr lang="en-US"/>
+          </a:p>
+        </p:txBody>
+      </p:sp>
+      <p:pic>
+        <p:nvPicPr>
+          <p:cNvPr id="6" name="Picture 5">
+            <a:extLst>
+              <a:ext uri="{FF2B5EF4-FFF2-40B4-BE49-F238E27FC236}">
+                <a16:creationId xmlns:a16="http://schemas.microsoft.com/office/drawing/2014/main" id="{59B78D91-DAA8-8C6E-A750-C67C9BAA44DB}"/>
+              </a:ext>
+            </a:extLst>
+          </p:cNvPr>
+          <p:cNvPicPr>
+            <a:picLocks noChangeAspect="1"/>
+          </p:cNvPicPr>
+          <p:nvPr/>
+        </p:nvPicPr>
+        <p:blipFill>
+          <a:blip r:embed="rId2"/>
+          <a:stretch>
+            <a:fillRect/>
+          </a:stretch>
+        </p:blipFill>
+        <p:spPr>
+          <a:xfrm>
+            <a:off x="949778" y="1728621"/>
+            <a:ext cx="7111012" cy="3400757"/>
+          </a:xfrm>
+          <a:prstGeom prst="rect">
+            <a:avLst/>
+          </a:prstGeom>
+        </p:spPr>
+      </p:pic>
+    </p:spTree>
+    <p:extLst>
+      <p:ext uri="{BB962C8B-B14F-4D97-AF65-F5344CB8AC3E}">
+        <p14:creationId xmlns:p14="http://schemas.microsoft.com/office/powerpoint/2010/main" val="2860365026"/>
+      </p:ext>
+    </p:extLst>
   </p:cSld>
   <p:clrMapOvr>
     <a:masterClrMapping/>

--- a/YummyBite.pptx
+++ b/YummyBite.pptx
@@ -5,7 +5,7 @@
     <p:sldMasterId id="2147483648" r:id="rId1"/>
   </p:sldMasterIdLst>
   <p:notesMasterIdLst>
-    <p:notesMasterId r:id="rId15"/>
+    <p:notesMasterId r:id="rId16"/>
   </p:notesMasterIdLst>
   <p:sldIdLst>
     <p:sldId id="259" r:id="rId2"/>
@@ -19,8 +19,9 @@
     <p:sldId id="271" r:id="rId10"/>
     <p:sldId id="272" r:id="rId11"/>
     <p:sldId id="273" r:id="rId12"/>
-    <p:sldId id="268" r:id="rId13"/>
-    <p:sldId id="258" r:id="rId14"/>
+    <p:sldId id="274" r:id="rId13"/>
+    <p:sldId id="268" r:id="rId14"/>
+    <p:sldId id="258" r:id="rId15"/>
   </p:sldIdLst>
   <p:sldSz cx="9144000" cy="6858000" type="screen4x3"/>
   <p:notesSz cx="6858000" cy="9144000"/>
@@ -6600,6 +6601,156 @@
           <p:cNvPr id="2" name="Title 1">
             <a:extLst>
               <a:ext uri="{FF2B5EF4-FFF2-40B4-BE49-F238E27FC236}">
+                <a16:creationId xmlns:a16="http://schemas.microsoft.com/office/drawing/2014/main" id="{0FBE6147-D0C0-487B-2F3D-5DB7F60E6360}"/>
+              </a:ext>
+            </a:extLst>
+          </p:cNvPr>
+          <p:cNvSpPr>
+            <a:spLocks noGrp="1"/>
+          </p:cNvSpPr>
+          <p:nvPr>
+            <p:ph type="ctrTitle"/>
+          </p:nvPr>
+        </p:nvSpPr>
+        <p:spPr>
+          <a:xfrm>
+            <a:off x="-1307592" y="0"/>
+            <a:ext cx="5486400" cy="914400"/>
+          </a:xfrm>
+        </p:spPr>
+        <p:txBody>
+          <a:bodyPr/>
+          <a:lstStyle/>
+          <a:p>
+            <a:r>
+              <a:rPr lang="en-IN" b="1" dirty="0"/>
+              <a:t>Host Link</a:t>
+            </a:r>
+          </a:p>
+        </p:txBody>
+      </p:sp>
+      <p:sp>
+        <p:nvSpPr>
+          <p:cNvPr id="3" name="Subtitle 2">
+            <a:extLst>
+              <a:ext uri="{FF2B5EF4-FFF2-40B4-BE49-F238E27FC236}">
+                <a16:creationId xmlns:a16="http://schemas.microsoft.com/office/drawing/2014/main" id="{A91A3D92-1203-E357-22DA-050F84F2E5AF}"/>
+              </a:ext>
+            </a:extLst>
+          </p:cNvPr>
+          <p:cNvSpPr>
+            <a:spLocks noGrp="1"/>
+          </p:cNvSpPr>
+          <p:nvPr>
+            <p:ph type="subTitle" idx="1"/>
+          </p:nvPr>
+        </p:nvSpPr>
+        <p:spPr>
+          <a:xfrm>
+            <a:off x="495300" y="1814512"/>
+            <a:ext cx="8153400" cy="4724400"/>
+          </a:xfrm>
+        </p:spPr>
+        <p:txBody>
+          <a:bodyPr/>
+          <a:lstStyle/>
+          <a:p>
+            <a:r>
+              <a:rPr lang="en-IN" dirty="0">
+                <a:solidFill>
+                  <a:schemeClr val="tx1"/>
+                </a:solidFill>
+              </a:rPr>
+              <a:t>https://yummybites-project.vercel.app/</a:t>
+            </a:r>
+          </a:p>
+        </p:txBody>
+      </p:sp>
+      <p:sp>
+        <p:nvSpPr>
+          <p:cNvPr id="4" name="Slide Number Placeholder 3">
+            <a:extLst>
+              <a:ext uri="{FF2B5EF4-FFF2-40B4-BE49-F238E27FC236}">
+                <a16:creationId xmlns:a16="http://schemas.microsoft.com/office/drawing/2014/main" id="{FC97882B-DBD5-26B7-CC00-EDD389B8FAB7}"/>
+              </a:ext>
+            </a:extLst>
+          </p:cNvPr>
+          <p:cNvSpPr>
+            <a:spLocks noGrp="1"/>
+          </p:cNvSpPr>
+          <p:nvPr>
+            <p:ph type="sldNum" idx="12"/>
+          </p:nvPr>
+        </p:nvSpPr>
+        <p:spPr/>
+        <p:txBody>
+          <a:bodyPr/>
+          <a:lstStyle/>
+          <a:p>
+            <a:pPr marL="0" lvl="0" indent="0" algn="r" rtl="0">
+              <a:spcBef>
+                <a:spcPts val="0"/>
+              </a:spcBef>
+              <a:spcAft>
+                <a:spcPts val="0"/>
+              </a:spcAft>
+              <a:buNone/>
+            </a:pPr>
+            <a:fld id="{00000000-1234-1234-1234-123412341234}" type="slidenum">
+              <a:rPr lang="en-US" smtClean="0"/>
+              <a:t>12</a:t>
+            </a:fld>
+            <a:endParaRPr lang="en-US"/>
+          </a:p>
+        </p:txBody>
+      </p:sp>
+    </p:spTree>
+    <p:extLst>
+      <p:ext uri="{BB962C8B-B14F-4D97-AF65-F5344CB8AC3E}">
+        <p14:creationId xmlns:p14="http://schemas.microsoft.com/office/powerpoint/2010/main" val="373287935"/>
+      </p:ext>
+    </p:extLst>
+  </p:cSld>
+  <p:clrMapOvr>
+    <a:masterClrMapping/>
+  </p:clrMapOvr>
+  <mc:AlternateContent xmlns:mc="http://schemas.openxmlformats.org/markup-compatibility/2006" xmlns:p14="http://schemas.microsoft.com/office/powerpoint/2010/main">
+    <mc:Choice Requires="p14">
+      <p:transition spd="slow" p14:dur="1500">
+        <p14:prism/>
+      </p:transition>
+    </mc:Choice>
+    <mc:Fallback xmlns="">
+      <p:transition spd="slow">
+        <p:fade/>
+      </p:transition>
+    </mc:Fallback>
+  </mc:AlternateContent>
+</p:sld>
+</file>
+
+<file path=ppt/slides/slide13.xml><?xml version="1.0" encoding="utf-8"?>
+<p:sld xmlns:a="http://schemas.openxmlformats.org/drawingml/2006/main" xmlns:r="http://schemas.openxmlformats.org/officeDocument/2006/relationships" xmlns:p="http://schemas.openxmlformats.org/presentationml/2006/main">
+  <p:cSld>
+    <p:spTree>
+      <p:nvGrpSpPr>
+        <p:cNvPr id="1" name=""/>
+        <p:cNvGrpSpPr/>
+        <p:nvPr/>
+      </p:nvGrpSpPr>
+      <p:grpSpPr>
+        <a:xfrm>
+          <a:off x="0" y="0"/>
+          <a:ext cx="0" cy="0"/>
+          <a:chOff x="0" y="0"/>
+          <a:chExt cx="0" cy="0"/>
+        </a:xfrm>
+      </p:grpSpPr>
+      <p:sp>
+        <p:nvSpPr>
+          <p:cNvPr id="2" name="Title 1">
+            <a:extLst>
+              <a:ext uri="{FF2B5EF4-FFF2-40B4-BE49-F238E27FC236}">
                 <a16:creationId xmlns:a16="http://schemas.microsoft.com/office/drawing/2014/main" id="{BF780F68-A854-17EC-6B3A-B4BDFCA0A78F}"/>
               </a:ext>
             </a:extLst>
@@ -6692,7 +6843,7 @@
                   <a:schemeClr val="tx1"/>
                 </a:solidFill>
               </a:rPr>
-              <a:t>Tutorials Point - https://www.tutorialspoint.com/index.htm</a:t>
+              <a:t>Tutorials Point - https://www.tutorialspoint.com/index.html</a:t>
             </a:r>
           </a:p>
           <a:p>
@@ -6736,22 +6887,8 @@
                   <a:schemeClr val="tx1"/>
                 </a:solidFill>
               </a:rPr>
-              <a:t> - </a:t>
+              <a:t> - https://www.geeksforgeeks.org/</a:t>
             </a:r>
-            <a:r>
-              <a:rPr lang="en-US" sz="2000" dirty="0">
-                <a:solidFill>
-                  <a:schemeClr val="tx1"/>
-                </a:solidFill>
-                <a:hlinkClick r:id="rId2"/>
-              </a:rPr>
-              <a:t>https://www.geeksforgeeks.org/</a:t>
-            </a:r>
-            <a:endParaRPr lang="en-US" sz="2000" dirty="0">
-              <a:solidFill>
-                <a:schemeClr val="tx1"/>
-              </a:solidFill>
-            </a:endParaRPr>
           </a:p>
           <a:p>
             <a:pPr marL="596900" indent="-571500" algn="just">
@@ -6764,22 +6901,8 @@
                   <a:schemeClr val="tx1"/>
                 </a:solidFill>
               </a:rPr>
-              <a:t>React – </a:t>
+              <a:t>React – https://react.org/</a:t>
             </a:r>
-            <a:r>
-              <a:rPr lang="en-US" sz="2000" dirty="0">
-                <a:solidFill>
-                  <a:schemeClr val="tx1"/>
-                </a:solidFill>
-                <a:hlinkClick r:id="rId3"/>
-              </a:rPr>
-              <a:t>https://react.org/</a:t>
-            </a:r>
-            <a:endParaRPr lang="en-US" sz="2000" dirty="0">
-              <a:solidFill>
-                <a:schemeClr val="tx1"/>
-              </a:solidFill>
-            </a:endParaRPr>
           </a:p>
           <a:p>
             <a:pPr marL="596900" indent="-571500" algn="just">
@@ -6837,7 +6960,7 @@
             </a:pPr>
             <a:fld id="{00000000-1234-1234-1234-123412341234}" type="slidenum">
               <a:rPr lang="en-US"/>
-              <a:t>12</a:t>
+              <a:t>13</a:t>
             </a:fld>
             <a:endParaRPr lang="en-US"/>
           </a:p>
@@ -6868,7 +6991,7 @@
 </p:sld>
 </file>
 
-<file path=ppt/slides/slide13.xml><?xml version="1.0" encoding="utf-8"?>
+<file path=ppt/slides/slide14.xml><?xml version="1.0" encoding="utf-8"?>
 <p:sld xmlns:a="http://schemas.openxmlformats.org/drawingml/2006/main" xmlns:r="http://schemas.openxmlformats.org/officeDocument/2006/relationships" xmlns:p="http://schemas.openxmlformats.org/presentationml/2006/main">
   <p:cSld>
     <p:spTree>
@@ -7024,7 +7147,7 @@
             </a:pPr>
             <a:fld id="{00000000-1234-1234-1234-123412341234}" type="slidenum">
               <a:rPr lang="en-US"/>
-              <a:t>13</a:t>
+              <a:t>14</a:t>
             </a:fld>
             <a:endParaRPr lang="en-US"/>
           </a:p>
@@ -7164,7 +7287,7 @@
                 <a:latin typeface="Times New Roman"/>
                 <a:cs typeface="Times New Roman"/>
               </a:rPr>
-              <a:t>Tools</a:t>
+              <a:t>Benefits</a:t>
             </a:r>
           </a:p>
           <a:p>
@@ -7183,7 +7306,7 @@
                 <a:latin typeface="Times New Roman"/>
                 <a:cs typeface="Times New Roman"/>
               </a:rPr>
-              <a:t>Benefits</a:t>
+              <a:t>Tools</a:t>
             </a:r>
           </a:p>
           <a:p>
@@ -7202,7 +7325,7 @@
                 <a:latin typeface="Times New Roman"/>
                 <a:cs typeface="Times New Roman"/>
               </a:rPr>
-              <a:t>Host Links</a:t>
+              <a:t>Project Highlights</a:t>
             </a:r>
           </a:p>
           <a:p>
@@ -7221,7 +7344,7 @@
                 <a:latin typeface="Times New Roman"/>
                 <a:cs typeface="Times New Roman"/>
               </a:rPr>
-              <a:t>Overview</a:t>
+              <a:t>Conclusion</a:t>
             </a:r>
           </a:p>
           <a:p>
@@ -7240,7 +7363,7 @@
                 <a:latin typeface="Times New Roman"/>
                 <a:cs typeface="Times New Roman"/>
               </a:rPr>
-              <a:t>Conclusion</a:t>
+              <a:t>Host Link</a:t>
             </a:r>
           </a:p>
           <a:p>
